--- a/Firmenpräsentation.pptx
+++ b/Firmenpräsentation.pptx
@@ -4,14 +4,20 @@
   <p:sldMasterIdLst>
     <p:sldMasterId id="2147483756" r:id="rId1"/>
   </p:sldMasterIdLst>
+  <p:notesMasterIdLst>
+    <p:notesMasterId r:id="rId12"/>
+  </p:notesMasterIdLst>
   <p:sldIdLst>
-    <p:sldId id="256" r:id="rId2"/>
-    <p:sldId id="259" r:id="rId3"/>
-    <p:sldId id="262" r:id="rId4"/>
-    <p:sldId id="260" r:id="rId5"/>
-    <p:sldId id="263" r:id="rId6"/>
-    <p:sldId id="261" r:id="rId7"/>
-    <p:sldId id="264" r:id="rId8"/>
+    <p:sldId id="269" r:id="rId2"/>
+    <p:sldId id="256" r:id="rId3"/>
+    <p:sldId id="259" r:id="rId4"/>
+    <p:sldId id="265" r:id="rId5"/>
+    <p:sldId id="260" r:id="rId6"/>
+    <p:sldId id="262" r:id="rId7"/>
+    <p:sldId id="267" r:id="rId8"/>
+    <p:sldId id="268" r:id="rId9"/>
+    <p:sldId id="261" r:id="rId10"/>
+    <p:sldId id="270" r:id="rId11"/>
   </p:sldIdLst>
   <p:sldSz cx="12192000" cy="6858000"/>
   <p:notesSz cx="6858000" cy="9144000"/>
@@ -110,7 +116,361 @@
       </a:defRPr>
     </a:lvl9pPr>
   </p:defaultTextStyle>
+  <p:extLst>
+    <p:ext uri="{EFAFB233-063F-42B5-8137-9DF3F51BA10A}">
+      <p15:sldGuideLst xmlns:p15="http://schemas.microsoft.com/office/powerpoint/2012/main"/>
+    </p:ext>
+  </p:extLst>
 </p:presentation>
+</file>
+
+<file path=ppt/notesMasters/notesMaster1.xml><?xml version="1.0" encoding="utf-8"?>
+<p:notesMaster xmlns:a="http://schemas.openxmlformats.org/drawingml/2006/main" xmlns:r="http://schemas.openxmlformats.org/officeDocument/2006/relationships" xmlns:p="http://schemas.openxmlformats.org/presentationml/2006/main">
+  <p:cSld>
+    <p:bg>
+      <p:bgRef idx="1001">
+        <a:schemeClr val="bg1"/>
+      </p:bgRef>
+    </p:bg>
+    <p:spTree>
+      <p:nvGrpSpPr>
+        <p:cNvPr id="1" name=""/>
+        <p:cNvGrpSpPr/>
+        <p:nvPr/>
+      </p:nvGrpSpPr>
+      <p:grpSpPr>
+        <a:xfrm>
+          <a:off x="0" y="0"/>
+          <a:ext cx="0" cy="0"/>
+          <a:chOff x="0" y="0"/>
+          <a:chExt cx="0" cy="0"/>
+        </a:xfrm>
+      </p:grpSpPr>
+      <p:sp>
+        <p:nvSpPr>
+          <p:cNvPr id="2" name="Kopfzeilenplatzhalter 1"/>
+          <p:cNvSpPr>
+            <a:spLocks noGrp="1"/>
+          </p:cNvSpPr>
+          <p:nvPr>
+            <p:ph type="hdr" sz="quarter"/>
+          </p:nvPr>
+        </p:nvSpPr>
+        <p:spPr>
+          <a:xfrm>
+            <a:off x="0" y="0"/>
+            <a:ext cx="2971800" cy="458788"/>
+          </a:xfrm>
+          <a:prstGeom prst="rect">
+            <a:avLst/>
+          </a:prstGeom>
+        </p:spPr>
+        <p:txBody>
+          <a:bodyPr vert="horz" lIns="91440" tIns="45720" rIns="91440" bIns="45720" rtlCol="0"/>
+          <a:lstStyle>
+            <a:lvl1pPr algn="l">
+              <a:defRPr sz="1200"/>
+            </a:lvl1pPr>
+          </a:lstStyle>
+          <a:p>
+            <a:endParaRPr lang="de-DE"/>
+          </a:p>
+        </p:txBody>
+      </p:sp>
+      <p:sp>
+        <p:nvSpPr>
+          <p:cNvPr id="3" name="Datumsplatzhalter 2"/>
+          <p:cNvSpPr>
+            <a:spLocks noGrp="1"/>
+          </p:cNvSpPr>
+          <p:nvPr>
+            <p:ph type="dt" idx="1"/>
+          </p:nvPr>
+        </p:nvSpPr>
+        <p:spPr>
+          <a:xfrm>
+            <a:off x="3884613" y="0"/>
+            <a:ext cx="2971800" cy="458788"/>
+          </a:xfrm>
+          <a:prstGeom prst="rect">
+            <a:avLst/>
+          </a:prstGeom>
+        </p:spPr>
+        <p:txBody>
+          <a:bodyPr vert="horz" lIns="91440" tIns="45720" rIns="91440" bIns="45720" rtlCol="0"/>
+          <a:lstStyle>
+            <a:lvl1pPr algn="r">
+              <a:defRPr sz="1200"/>
+            </a:lvl1pPr>
+          </a:lstStyle>
+          <a:p>
+            <a:fld id="{6388D3DC-C3A5-4BB0-A509-7EA8E98E9A54}" type="datetimeFigureOut">
+              <a:rPr lang="de-DE" smtClean="0"/>
+              <a:t>02.11.2020</a:t>
+            </a:fld>
+            <a:endParaRPr lang="de-DE"/>
+          </a:p>
+        </p:txBody>
+      </p:sp>
+      <p:sp>
+        <p:nvSpPr>
+          <p:cNvPr id="4" name="Folienbildplatzhalter 3"/>
+          <p:cNvSpPr>
+            <a:spLocks noGrp="1" noRot="1" noChangeAspect="1"/>
+          </p:cNvSpPr>
+          <p:nvPr>
+            <p:ph type="sldImg" idx="2"/>
+          </p:nvPr>
+        </p:nvSpPr>
+        <p:spPr>
+          <a:xfrm>
+            <a:off x="685800" y="1143000"/>
+            <a:ext cx="5486400" cy="3086100"/>
+          </a:xfrm>
+          <a:prstGeom prst="rect">
+            <a:avLst/>
+          </a:prstGeom>
+          <a:noFill/>
+          <a:ln w="12700">
+            <a:solidFill>
+              <a:prstClr val="black"/>
+            </a:solidFill>
+          </a:ln>
+        </p:spPr>
+        <p:txBody>
+          <a:bodyPr vert="horz" lIns="91440" tIns="45720" rIns="91440" bIns="45720" rtlCol="0" anchor="ctr"/>
+          <a:lstStyle/>
+          <a:p>
+            <a:endParaRPr lang="de-DE"/>
+          </a:p>
+        </p:txBody>
+      </p:sp>
+      <p:sp>
+        <p:nvSpPr>
+          <p:cNvPr id="5" name="Notizenplatzhalter 4"/>
+          <p:cNvSpPr>
+            <a:spLocks noGrp="1"/>
+          </p:cNvSpPr>
+          <p:nvPr>
+            <p:ph type="body" sz="quarter" idx="3"/>
+          </p:nvPr>
+        </p:nvSpPr>
+        <p:spPr>
+          <a:xfrm>
+            <a:off x="685800" y="4400550"/>
+            <a:ext cx="5486400" cy="3600450"/>
+          </a:xfrm>
+          <a:prstGeom prst="rect">
+            <a:avLst/>
+          </a:prstGeom>
+        </p:spPr>
+        <p:txBody>
+          <a:bodyPr vert="horz" lIns="91440" tIns="45720" rIns="91440" bIns="45720" rtlCol="0"/>
+          <a:lstStyle/>
+          <a:p>
+            <a:pPr lvl="0"/>
+            <a:r>
+              <a:rPr lang="de-DE"/>
+              <a:t>Mastertextformat bearbeiten</a:t>
+            </a:r>
+          </a:p>
+          <a:p>
+            <a:pPr lvl="1"/>
+            <a:r>
+              <a:rPr lang="de-DE"/>
+              <a:t>Zweite Ebene</a:t>
+            </a:r>
+          </a:p>
+          <a:p>
+            <a:pPr lvl="2"/>
+            <a:r>
+              <a:rPr lang="de-DE"/>
+              <a:t>Dritte Ebene</a:t>
+            </a:r>
+          </a:p>
+          <a:p>
+            <a:pPr lvl="3"/>
+            <a:r>
+              <a:rPr lang="de-DE"/>
+              <a:t>Vierte Ebene</a:t>
+            </a:r>
+          </a:p>
+          <a:p>
+            <a:pPr lvl="4"/>
+            <a:r>
+              <a:rPr lang="de-DE"/>
+              <a:t>Fünfte Ebene</a:t>
+            </a:r>
+          </a:p>
+        </p:txBody>
+      </p:sp>
+      <p:sp>
+        <p:nvSpPr>
+          <p:cNvPr id="6" name="Fußzeilenplatzhalter 5"/>
+          <p:cNvSpPr>
+            <a:spLocks noGrp="1"/>
+          </p:cNvSpPr>
+          <p:nvPr>
+            <p:ph type="ftr" sz="quarter" idx="4"/>
+          </p:nvPr>
+        </p:nvSpPr>
+        <p:spPr>
+          <a:xfrm>
+            <a:off x="0" y="8685213"/>
+            <a:ext cx="2971800" cy="458787"/>
+          </a:xfrm>
+          <a:prstGeom prst="rect">
+            <a:avLst/>
+          </a:prstGeom>
+        </p:spPr>
+        <p:txBody>
+          <a:bodyPr vert="horz" lIns="91440" tIns="45720" rIns="91440" bIns="45720" rtlCol="0" anchor="b"/>
+          <a:lstStyle>
+            <a:lvl1pPr algn="l">
+              <a:defRPr sz="1200"/>
+            </a:lvl1pPr>
+          </a:lstStyle>
+          <a:p>
+            <a:endParaRPr lang="de-DE"/>
+          </a:p>
+        </p:txBody>
+      </p:sp>
+      <p:sp>
+        <p:nvSpPr>
+          <p:cNvPr id="7" name="Foliennummernplatzhalter 6"/>
+          <p:cNvSpPr>
+            <a:spLocks noGrp="1"/>
+          </p:cNvSpPr>
+          <p:nvPr>
+            <p:ph type="sldNum" sz="quarter" idx="5"/>
+          </p:nvPr>
+        </p:nvSpPr>
+        <p:spPr>
+          <a:xfrm>
+            <a:off x="3884613" y="8685213"/>
+            <a:ext cx="2971800" cy="458787"/>
+          </a:xfrm>
+          <a:prstGeom prst="rect">
+            <a:avLst/>
+          </a:prstGeom>
+        </p:spPr>
+        <p:txBody>
+          <a:bodyPr vert="horz" lIns="91440" tIns="45720" rIns="91440" bIns="45720" rtlCol="0" anchor="b"/>
+          <a:lstStyle>
+            <a:lvl1pPr algn="r">
+              <a:defRPr sz="1200"/>
+            </a:lvl1pPr>
+          </a:lstStyle>
+          <a:p>
+            <a:fld id="{B1DD8641-0A0B-4388-BAA6-D8FA08FD8002}" type="slidenum">
+              <a:rPr lang="de-DE" smtClean="0"/>
+              <a:t>‹Nr.›</a:t>
+            </a:fld>
+            <a:endParaRPr lang="de-DE"/>
+          </a:p>
+        </p:txBody>
+      </p:sp>
+    </p:spTree>
+    <p:extLst>
+      <p:ext uri="{BB962C8B-B14F-4D97-AF65-F5344CB8AC3E}">
+        <p14:creationId xmlns:p14="http://schemas.microsoft.com/office/powerpoint/2010/main" val="1333330317"/>
+      </p:ext>
+    </p:extLst>
+  </p:cSld>
+  <p:clrMap bg1="lt1" tx1="dk1" bg2="lt2" tx2="dk2" accent1="accent1" accent2="accent2" accent3="accent3" accent4="accent4" accent5="accent5" accent6="accent6" hlink="hlink" folHlink="folHlink"/>
+  <p:notesStyle>
+    <a:lvl1pPr marL="0" algn="l" defTabSz="914400" rtl="0" eaLnBrk="1" latinLnBrk="0" hangingPunct="1">
+      <a:defRPr sz="1200" kern="1200">
+        <a:solidFill>
+          <a:schemeClr val="tx1"/>
+        </a:solidFill>
+        <a:latin typeface="+mn-lt"/>
+        <a:ea typeface="+mn-ea"/>
+        <a:cs typeface="+mn-cs"/>
+      </a:defRPr>
+    </a:lvl1pPr>
+    <a:lvl2pPr marL="457200" algn="l" defTabSz="914400" rtl="0" eaLnBrk="1" latinLnBrk="0" hangingPunct="1">
+      <a:defRPr sz="1200" kern="1200">
+        <a:solidFill>
+          <a:schemeClr val="tx1"/>
+        </a:solidFill>
+        <a:latin typeface="+mn-lt"/>
+        <a:ea typeface="+mn-ea"/>
+        <a:cs typeface="+mn-cs"/>
+      </a:defRPr>
+    </a:lvl2pPr>
+    <a:lvl3pPr marL="914400" algn="l" defTabSz="914400" rtl="0" eaLnBrk="1" latinLnBrk="0" hangingPunct="1">
+      <a:defRPr sz="1200" kern="1200">
+        <a:solidFill>
+          <a:schemeClr val="tx1"/>
+        </a:solidFill>
+        <a:latin typeface="+mn-lt"/>
+        <a:ea typeface="+mn-ea"/>
+        <a:cs typeface="+mn-cs"/>
+      </a:defRPr>
+    </a:lvl3pPr>
+    <a:lvl4pPr marL="1371600" algn="l" defTabSz="914400" rtl="0" eaLnBrk="1" latinLnBrk="0" hangingPunct="1">
+      <a:defRPr sz="1200" kern="1200">
+        <a:solidFill>
+          <a:schemeClr val="tx1"/>
+        </a:solidFill>
+        <a:latin typeface="+mn-lt"/>
+        <a:ea typeface="+mn-ea"/>
+        <a:cs typeface="+mn-cs"/>
+      </a:defRPr>
+    </a:lvl4pPr>
+    <a:lvl5pPr marL="1828800" algn="l" defTabSz="914400" rtl="0" eaLnBrk="1" latinLnBrk="0" hangingPunct="1">
+      <a:defRPr sz="1200" kern="1200">
+        <a:solidFill>
+          <a:schemeClr val="tx1"/>
+        </a:solidFill>
+        <a:latin typeface="+mn-lt"/>
+        <a:ea typeface="+mn-ea"/>
+        <a:cs typeface="+mn-cs"/>
+      </a:defRPr>
+    </a:lvl5pPr>
+    <a:lvl6pPr marL="2286000" algn="l" defTabSz="914400" rtl="0" eaLnBrk="1" latinLnBrk="0" hangingPunct="1">
+      <a:defRPr sz="1200" kern="1200">
+        <a:solidFill>
+          <a:schemeClr val="tx1"/>
+        </a:solidFill>
+        <a:latin typeface="+mn-lt"/>
+        <a:ea typeface="+mn-ea"/>
+        <a:cs typeface="+mn-cs"/>
+      </a:defRPr>
+    </a:lvl6pPr>
+    <a:lvl7pPr marL="2743200" algn="l" defTabSz="914400" rtl="0" eaLnBrk="1" latinLnBrk="0" hangingPunct="1">
+      <a:defRPr sz="1200" kern="1200">
+        <a:solidFill>
+          <a:schemeClr val="tx1"/>
+        </a:solidFill>
+        <a:latin typeface="+mn-lt"/>
+        <a:ea typeface="+mn-ea"/>
+        <a:cs typeface="+mn-cs"/>
+      </a:defRPr>
+    </a:lvl7pPr>
+    <a:lvl8pPr marL="3200400" algn="l" defTabSz="914400" rtl="0" eaLnBrk="1" latinLnBrk="0" hangingPunct="1">
+      <a:defRPr sz="1200" kern="1200">
+        <a:solidFill>
+          <a:schemeClr val="tx1"/>
+        </a:solidFill>
+        <a:latin typeface="+mn-lt"/>
+        <a:ea typeface="+mn-ea"/>
+        <a:cs typeface="+mn-cs"/>
+      </a:defRPr>
+    </a:lvl8pPr>
+    <a:lvl9pPr marL="3657600" algn="l" defTabSz="914400" rtl="0" eaLnBrk="1" latinLnBrk="0" hangingPunct="1">
+      <a:defRPr sz="1200" kern="1200">
+        <a:solidFill>
+          <a:schemeClr val="tx1"/>
+        </a:solidFill>
+        <a:latin typeface="+mn-lt"/>
+        <a:ea typeface="+mn-ea"/>
+        <a:cs typeface="+mn-cs"/>
+      </a:defRPr>
+    </a:lvl9pPr>
+  </p:notesStyle>
+</p:notesMaster>
 </file>
 
 <file path=ppt/slideLayouts/slideLayout1.xml><?xml version="1.0" encoding="utf-8"?>
@@ -265,7 +625,7 @@
           <a:p>
             <a:fld id="{052FE770-E0D2-4419-A252-3771C9401F80}" type="datetimeFigureOut">
               <a:rPr lang="de-DE" smtClean="0"/>
-              <a:t>28.10.2020</a:t>
+              <a:t>02.11.2020</a:t>
             </a:fld>
             <a:endParaRPr lang="de-DE"/>
           </a:p>
@@ -508,7 +868,7 @@
           <a:p>
             <a:fld id="{052FE770-E0D2-4419-A252-3771C9401F80}" type="datetimeFigureOut">
               <a:rPr lang="de-DE" smtClean="0"/>
-              <a:t>28.10.2020</a:t>
+              <a:t>02.11.2020</a:t>
             </a:fld>
             <a:endParaRPr lang="de-DE"/>
           </a:p>
@@ -688,7 +1048,7 @@
           <a:p>
             <a:fld id="{052FE770-E0D2-4419-A252-3771C9401F80}" type="datetimeFigureOut">
               <a:rPr lang="de-DE" smtClean="0"/>
-              <a:t>28.10.2020</a:t>
+              <a:t>02.11.2020</a:t>
             </a:fld>
             <a:endParaRPr lang="de-DE"/>
           </a:p>
@@ -893,7 +1253,7 @@
           <a:p>
             <a:fld id="{052FE770-E0D2-4419-A252-3771C9401F80}" type="datetimeFigureOut">
               <a:rPr lang="de-DE" smtClean="0"/>
-              <a:t>28.10.2020</a:t>
+              <a:t>02.11.2020</a:t>
             </a:fld>
             <a:endParaRPr lang="de-DE"/>
           </a:p>
@@ -1150,7 +1510,7 @@
           <a:p>
             <a:fld id="{052FE770-E0D2-4419-A252-3771C9401F80}" type="datetimeFigureOut">
               <a:rPr lang="de-DE" smtClean="0"/>
-              <a:t>28.10.2020</a:t>
+              <a:t>02.11.2020</a:t>
             </a:fld>
             <a:endParaRPr lang="de-DE"/>
           </a:p>
@@ -1497,7 +1857,7 @@
           <a:p>
             <a:fld id="{052FE770-E0D2-4419-A252-3771C9401F80}" type="datetimeFigureOut">
               <a:rPr lang="de-DE" smtClean="0"/>
-              <a:t>28.10.2020</a:t>
+              <a:t>02.11.2020</a:t>
             </a:fld>
             <a:endParaRPr lang="de-DE"/>
           </a:p>
@@ -1899,7 +2259,7 @@
           <a:p>
             <a:fld id="{052FE770-E0D2-4419-A252-3771C9401F80}" type="datetimeFigureOut">
               <a:rPr lang="de-DE" smtClean="0"/>
-              <a:t>28.10.2020</a:t>
+              <a:t>02.11.2020</a:t>
             </a:fld>
             <a:endParaRPr lang="de-DE"/>
           </a:p>
@@ -2017,7 +2377,7 @@
           <a:p>
             <a:fld id="{052FE770-E0D2-4419-A252-3771C9401F80}" type="datetimeFigureOut">
               <a:rPr lang="de-DE" smtClean="0"/>
-              <a:t>28.10.2020</a:t>
+              <a:t>02.11.2020</a:t>
             </a:fld>
             <a:endParaRPr lang="de-DE"/>
           </a:p>
@@ -2112,7 +2472,7 @@
           <a:p>
             <a:fld id="{052FE770-E0D2-4419-A252-3771C9401F80}" type="datetimeFigureOut">
               <a:rPr lang="de-DE" smtClean="0"/>
-              <a:t>28.10.2020</a:t>
+              <a:t>02.11.2020</a:t>
             </a:fld>
             <a:endParaRPr lang="de-DE"/>
           </a:p>
@@ -2402,7 +2762,7 @@
           <a:p>
             <a:fld id="{052FE770-E0D2-4419-A252-3771C9401F80}" type="datetimeFigureOut">
               <a:rPr lang="de-DE" smtClean="0"/>
-              <a:t>28.10.2020</a:t>
+              <a:t>02.11.2020</a:t>
             </a:fld>
             <a:endParaRPr lang="de-DE"/>
           </a:p>
@@ -2682,7 +3042,7 @@
           <a:p>
             <a:fld id="{052FE770-E0D2-4419-A252-3771C9401F80}" type="datetimeFigureOut">
               <a:rPr lang="de-DE" smtClean="0"/>
-              <a:t>28.10.2020</a:t>
+              <a:t>02.11.2020</a:t>
             </a:fld>
             <a:endParaRPr lang="de-DE"/>
           </a:p>
@@ -2932,7 +3292,7 @@
           <a:p>
             <a:fld id="{052FE770-E0D2-4419-A252-3771C9401F80}" type="datetimeFigureOut">
               <a:rPr lang="de-DE" smtClean="0"/>
-              <a:t>28.10.2020</a:t>
+              <a:t>02.11.2020</a:t>
             </a:fld>
             <a:endParaRPr lang="de-DE"/>
           </a:p>
@@ -3418,6 +3778,944 @@
 </file>
 
 <file path=ppt/slides/slide1.xml><?xml version="1.0" encoding="utf-8"?>
+<p:sld xmlns:a="http://schemas.openxmlformats.org/drawingml/2006/main" xmlns:r="http://schemas.openxmlformats.org/officeDocument/2006/relationships" xmlns:p="http://schemas.openxmlformats.org/presentationml/2006/main">
+  <p:cSld>
+    <p:bg>
+      <p:bgPr>
+        <a:solidFill>
+          <a:srgbClr val="4960A6"/>
+        </a:solidFill>
+        <a:effectLst/>
+      </p:bgPr>
+    </p:bg>
+    <p:spTree>
+      <p:nvGrpSpPr>
+        <p:cNvPr id="1" name=""/>
+        <p:cNvGrpSpPr/>
+        <p:nvPr/>
+      </p:nvGrpSpPr>
+      <p:grpSpPr>
+        <a:xfrm>
+          <a:off x="0" y="0"/>
+          <a:ext cx="0" cy="0"/>
+          <a:chOff x="0" y="0"/>
+          <a:chExt cx="0" cy="0"/>
+        </a:xfrm>
+      </p:grpSpPr>
+      <p:sp>
+        <p:nvSpPr>
+          <p:cNvPr id="22" name="Rectangle 21">
+            <a:extLst>
+              <a:ext uri="{FF2B5EF4-FFF2-40B4-BE49-F238E27FC236}">
+                <a16:creationId xmlns:a16="http://schemas.microsoft.com/office/drawing/2014/main" id="{44B3F5F5-166C-4694-B20A-3F8218AF7D03}"/>
+              </a:ext>
+              <a:ext uri="{C183D7F6-B498-43B3-948B-1728B52AA6E4}">
+                <adec:decorative xmlns:adec="http://schemas.microsoft.com/office/drawing/2017/decorative" val="1"/>
+              </a:ext>
+            </a:extLst>
+          </p:cNvPr>
+          <p:cNvSpPr>
+            <a:spLocks noGrp="1" noRot="1" noChangeAspect="1" noMove="1" noResize="1" noEditPoints="1" noAdjustHandles="1" noChangeArrowheads="1" noChangeShapeType="1" noTextEdit="1"/>
+          </p:cNvSpPr>
+          <p:nvPr>
+            <p:extLst>
+              <p:ext uri="{386F3935-93C4-4BCD-93E2-E3B085C9AB24}">
+                <p16:designElem xmlns:p16="http://schemas.microsoft.com/office/powerpoint/2015/main" val="1"/>
+              </p:ext>
+            </p:extLst>
+          </p:nvPr>
+        </p:nvSpPr>
+        <p:spPr>
+          <a:xfrm>
+            <a:off x="0" y="0"/>
+            <a:ext cx="12192000" cy="6858000"/>
+          </a:xfrm>
+          <a:prstGeom prst="rect">
+            <a:avLst/>
+          </a:prstGeom>
+          <a:solidFill>
+            <a:schemeClr val="bg2"/>
+          </a:solidFill>
+          <a:ln>
+            <a:noFill/>
+          </a:ln>
+        </p:spPr>
+        <p:style>
+          <a:lnRef idx="2">
+            <a:schemeClr val="accent1">
+              <a:shade val="50000"/>
+            </a:schemeClr>
+          </a:lnRef>
+          <a:fillRef idx="1">
+            <a:schemeClr val="accent1"/>
+          </a:fillRef>
+          <a:effectRef idx="0">
+            <a:schemeClr val="accent1"/>
+          </a:effectRef>
+          <a:fontRef idx="minor">
+            <a:schemeClr val="lt1"/>
+          </a:fontRef>
+        </p:style>
+        <p:txBody>
+          <a:bodyPr rtlCol="0" anchor="ctr"/>
+          <a:lstStyle/>
+          <a:p>
+            <a:pPr algn="ctr"/>
+            <a:endParaRPr lang="en-US"/>
+          </a:p>
+        </p:txBody>
+      </p:sp>
+      <p:sp>
+        <p:nvSpPr>
+          <p:cNvPr id="24" name="Rectangle 23">
+            <a:extLst>
+              <a:ext uri="{FF2B5EF4-FFF2-40B4-BE49-F238E27FC236}">
+                <a16:creationId xmlns:a16="http://schemas.microsoft.com/office/drawing/2014/main" id="{9E67A204-FB90-4B26-B155-3FA8064AD2DF}"/>
+              </a:ext>
+              <a:ext uri="{C183D7F6-B498-43B3-948B-1728B52AA6E4}">
+                <adec:decorative xmlns:adec="http://schemas.microsoft.com/office/drawing/2017/decorative" val="1"/>
+              </a:ext>
+            </a:extLst>
+          </p:cNvPr>
+          <p:cNvSpPr>
+            <a:spLocks noGrp="1" noRot="1" noChangeAspect="1" noMove="1" noResize="1" noEditPoints="1" noAdjustHandles="1" noChangeArrowheads="1" noChangeShapeType="1" noTextEdit="1"/>
+          </p:cNvSpPr>
+          <p:nvPr>
+            <p:extLst>
+              <p:ext uri="{386F3935-93C4-4BCD-93E2-E3B085C9AB24}">
+                <p16:designElem xmlns:p16="http://schemas.microsoft.com/office/powerpoint/2015/main" val="1"/>
+              </p:ext>
+            </p:extLst>
+          </p:nvPr>
+        </p:nvSpPr>
+        <p:spPr>
+          <a:xfrm>
+            <a:off x="477012" y="480060"/>
+            <a:ext cx="11237976" cy="5897880"/>
+          </a:xfrm>
+          <a:prstGeom prst="rect">
+            <a:avLst/>
+          </a:prstGeom>
+          <a:solidFill>
+            <a:schemeClr val="bg1"/>
+          </a:solidFill>
+          <a:ln w="22225">
+            <a:solidFill>
+              <a:srgbClr val="C17F63"/>
+            </a:solidFill>
+          </a:ln>
+        </p:spPr>
+        <p:style>
+          <a:lnRef idx="2">
+            <a:schemeClr val="accent1">
+              <a:shade val="50000"/>
+            </a:schemeClr>
+          </a:lnRef>
+          <a:fillRef idx="1">
+            <a:schemeClr val="accent1"/>
+          </a:fillRef>
+          <a:effectRef idx="0">
+            <a:schemeClr val="accent1"/>
+          </a:effectRef>
+          <a:fontRef idx="minor">
+            <a:schemeClr val="lt1"/>
+          </a:fontRef>
+        </p:style>
+        <p:txBody>
+          <a:bodyPr rtlCol="0" anchor="ctr"/>
+          <a:lstStyle/>
+          <a:p>
+            <a:pPr algn="ctr"/>
+            <a:endParaRPr lang="en-US"/>
+          </a:p>
+        </p:txBody>
+      </p:sp>
+    </p:spTree>
+    <p:extLst>
+      <p:ext uri="{BB962C8B-B14F-4D97-AF65-F5344CB8AC3E}">
+        <p14:creationId xmlns:p14="http://schemas.microsoft.com/office/powerpoint/2010/main" val="4080306412"/>
+      </p:ext>
+    </p:extLst>
+  </p:cSld>
+  <p:clrMapOvr>
+    <a:masterClrMapping/>
+  </p:clrMapOvr>
+</p:sld>
+</file>
+
+<file path=ppt/slides/slide10.xml><?xml version="1.0" encoding="utf-8"?>
+<p:sld xmlns:a="http://schemas.openxmlformats.org/drawingml/2006/main" xmlns:r="http://schemas.openxmlformats.org/officeDocument/2006/relationships" xmlns:p="http://schemas.openxmlformats.org/presentationml/2006/main">
+  <p:cSld>
+    <p:bg>
+      <p:bgPr>
+        <a:solidFill>
+          <a:srgbClr val="4960A6"/>
+        </a:solidFill>
+        <a:effectLst/>
+      </p:bgPr>
+    </p:bg>
+    <p:spTree>
+      <p:nvGrpSpPr>
+        <p:cNvPr id="1" name=""/>
+        <p:cNvGrpSpPr/>
+        <p:nvPr/>
+      </p:nvGrpSpPr>
+      <p:grpSpPr>
+        <a:xfrm>
+          <a:off x="0" y="0"/>
+          <a:ext cx="0" cy="0"/>
+          <a:chOff x="0" y="0"/>
+          <a:chExt cx="0" cy="0"/>
+        </a:xfrm>
+      </p:grpSpPr>
+      <p:sp>
+        <p:nvSpPr>
+          <p:cNvPr id="22" name="Rectangle 21">
+            <a:extLst>
+              <a:ext uri="{FF2B5EF4-FFF2-40B4-BE49-F238E27FC236}">
+                <a16:creationId xmlns:a16="http://schemas.microsoft.com/office/drawing/2014/main" id="{44B3F5F5-166C-4694-B20A-3F8218AF7D03}"/>
+              </a:ext>
+              <a:ext uri="{C183D7F6-B498-43B3-948B-1728B52AA6E4}">
+                <adec:decorative xmlns:adec="http://schemas.microsoft.com/office/drawing/2017/decorative" val="1"/>
+              </a:ext>
+            </a:extLst>
+          </p:cNvPr>
+          <p:cNvSpPr>
+            <a:spLocks noGrp="1" noRot="1" noChangeAspect="1" noMove="1" noResize="1" noEditPoints="1" noAdjustHandles="1" noChangeArrowheads="1" noChangeShapeType="1" noTextEdit="1"/>
+          </p:cNvSpPr>
+          <p:nvPr>
+            <p:extLst>
+              <p:ext uri="{386F3935-93C4-4BCD-93E2-E3B085C9AB24}">
+                <p16:designElem xmlns:p16="http://schemas.microsoft.com/office/powerpoint/2015/main" val="1"/>
+              </p:ext>
+            </p:extLst>
+          </p:nvPr>
+        </p:nvSpPr>
+        <p:spPr>
+          <a:xfrm>
+            <a:off x="0" y="0"/>
+            <a:ext cx="12192000" cy="6858000"/>
+          </a:xfrm>
+          <a:prstGeom prst="rect">
+            <a:avLst/>
+          </a:prstGeom>
+          <a:solidFill>
+            <a:schemeClr val="bg2"/>
+          </a:solidFill>
+          <a:ln>
+            <a:noFill/>
+          </a:ln>
+        </p:spPr>
+        <p:style>
+          <a:lnRef idx="2">
+            <a:schemeClr val="accent1">
+              <a:shade val="50000"/>
+            </a:schemeClr>
+          </a:lnRef>
+          <a:fillRef idx="1">
+            <a:schemeClr val="accent1"/>
+          </a:fillRef>
+          <a:effectRef idx="0">
+            <a:schemeClr val="accent1"/>
+          </a:effectRef>
+          <a:fontRef idx="minor">
+            <a:schemeClr val="lt1"/>
+          </a:fontRef>
+        </p:style>
+        <p:txBody>
+          <a:bodyPr rtlCol="0" anchor="ctr"/>
+          <a:lstStyle/>
+          <a:p>
+            <a:pPr algn="ctr"/>
+            <a:endParaRPr lang="en-US"/>
+          </a:p>
+        </p:txBody>
+      </p:sp>
+      <p:sp>
+        <p:nvSpPr>
+          <p:cNvPr id="24" name="Rectangle 23">
+            <a:extLst>
+              <a:ext uri="{FF2B5EF4-FFF2-40B4-BE49-F238E27FC236}">
+                <a16:creationId xmlns:a16="http://schemas.microsoft.com/office/drawing/2014/main" id="{9E67A204-FB90-4B26-B155-3FA8064AD2DF}"/>
+              </a:ext>
+              <a:ext uri="{C183D7F6-B498-43B3-948B-1728B52AA6E4}">
+                <adec:decorative xmlns:adec="http://schemas.microsoft.com/office/drawing/2017/decorative" val="1"/>
+              </a:ext>
+            </a:extLst>
+          </p:cNvPr>
+          <p:cNvSpPr>
+            <a:spLocks noGrp="1" noRot="1" noChangeAspect="1" noMove="1" noResize="1" noEditPoints="1" noAdjustHandles="1" noChangeArrowheads="1" noChangeShapeType="1" noTextEdit="1"/>
+          </p:cNvSpPr>
+          <p:nvPr>
+            <p:extLst>
+              <p:ext uri="{386F3935-93C4-4BCD-93E2-E3B085C9AB24}">
+                <p16:designElem xmlns:p16="http://schemas.microsoft.com/office/powerpoint/2015/main" val="1"/>
+              </p:ext>
+            </p:extLst>
+          </p:nvPr>
+        </p:nvSpPr>
+        <p:spPr>
+          <a:xfrm>
+            <a:off x="477012" y="480060"/>
+            <a:ext cx="11237976" cy="5897880"/>
+          </a:xfrm>
+          <a:prstGeom prst="rect">
+            <a:avLst/>
+          </a:prstGeom>
+          <a:solidFill>
+            <a:schemeClr val="bg1"/>
+          </a:solidFill>
+          <a:ln w="22225">
+            <a:solidFill>
+              <a:srgbClr val="C17F63"/>
+            </a:solidFill>
+          </a:ln>
+        </p:spPr>
+        <p:style>
+          <a:lnRef idx="2">
+            <a:schemeClr val="accent1">
+              <a:shade val="50000"/>
+            </a:schemeClr>
+          </a:lnRef>
+          <a:fillRef idx="1">
+            <a:schemeClr val="accent1"/>
+          </a:fillRef>
+          <a:effectRef idx="0">
+            <a:schemeClr val="accent1"/>
+          </a:effectRef>
+          <a:fontRef idx="minor">
+            <a:schemeClr val="lt1"/>
+          </a:fontRef>
+        </p:style>
+        <p:txBody>
+          <a:bodyPr rtlCol="0" anchor="ctr"/>
+          <a:lstStyle/>
+          <a:p>
+            <a:pPr algn="ctr"/>
+            <a:endParaRPr lang="en-US"/>
+          </a:p>
+        </p:txBody>
+      </p:sp>
+      <p:sp>
+        <p:nvSpPr>
+          <p:cNvPr id="2" name="Textfeld 1">
+            <a:extLst>
+              <a:ext uri="{FF2B5EF4-FFF2-40B4-BE49-F238E27FC236}">
+                <a16:creationId xmlns:a16="http://schemas.microsoft.com/office/drawing/2014/main" id="{C39C9EF2-E6A7-489D-B2CF-FE6C2DC73D3F}"/>
+              </a:ext>
+            </a:extLst>
+          </p:cNvPr>
+          <p:cNvSpPr txBox="1"/>
+          <p:nvPr/>
+        </p:nvSpPr>
+        <p:spPr>
+          <a:xfrm>
+            <a:off x="1069371" y="881048"/>
+            <a:ext cx="6329490" cy="1754326"/>
+          </a:xfrm>
+          <a:prstGeom prst="rect">
+            <a:avLst/>
+          </a:prstGeom>
+          <a:noFill/>
+        </p:spPr>
+        <p:txBody>
+          <a:bodyPr wrap="none" rtlCol="0">
+            <a:spAutoFit/>
+          </a:bodyPr>
+          <a:lstStyle/>
+          <a:p>
+            <a:r>
+              <a:rPr lang="de-DE" sz="3600" dirty="0"/>
+              <a:t>Problematik: </a:t>
+            </a:r>
+          </a:p>
+          <a:p>
+            <a:pPr marL="285750" indent="-285750">
+              <a:buFontTx/>
+              <a:buChar char="-"/>
+            </a:pPr>
+            <a:r>
+              <a:rPr lang="de-DE" sz="2400" dirty="0"/>
+              <a:t>Bisher keine Automatisierung</a:t>
+            </a:r>
+          </a:p>
+          <a:p>
+            <a:pPr marL="285750" indent="-285750">
+              <a:buFontTx/>
+              <a:buChar char="-"/>
+            </a:pPr>
+            <a:r>
+              <a:rPr lang="de-DE" sz="2400" dirty="0"/>
+              <a:t>Hohe Kosten durch Personaleinsatz</a:t>
+            </a:r>
+          </a:p>
+          <a:p>
+            <a:pPr marL="285750" indent="-285750">
+              <a:buFontTx/>
+              <a:buChar char="-"/>
+            </a:pPr>
+            <a:r>
+              <a:rPr lang="de-DE" sz="2400" dirty="0"/>
+              <a:t>Ernte nur bei guten Wetterbedingungen möglich</a:t>
+            </a:r>
+          </a:p>
+        </p:txBody>
+      </p:sp>
+      <p:sp>
+        <p:nvSpPr>
+          <p:cNvPr id="3" name="Textfeld 2">
+            <a:extLst>
+              <a:ext uri="{FF2B5EF4-FFF2-40B4-BE49-F238E27FC236}">
+                <a16:creationId xmlns:a16="http://schemas.microsoft.com/office/drawing/2014/main" id="{5F86A8BC-7A86-4EF9-B1BD-03D8ABF31B36}"/>
+              </a:ext>
+            </a:extLst>
+          </p:cNvPr>
+          <p:cNvSpPr txBox="1"/>
+          <p:nvPr/>
+        </p:nvSpPr>
+        <p:spPr>
+          <a:xfrm>
+            <a:off x="2663746" y="3428999"/>
+            <a:ext cx="6864508" cy="461665"/>
+          </a:xfrm>
+          <a:prstGeom prst="rect">
+            <a:avLst/>
+          </a:prstGeom>
+          <a:noFill/>
+        </p:spPr>
+        <p:txBody>
+          <a:bodyPr wrap="none" rtlCol="0">
+            <a:spAutoFit/>
+          </a:bodyPr>
+          <a:lstStyle/>
+          <a:p>
+            <a:r>
+              <a:rPr lang="de-DE" sz="2400" dirty="0">
+                <a:solidFill>
+                  <a:srgbClr val="C17F63"/>
+                </a:solidFill>
+              </a:rPr>
+              <a:t>Limitierende Faktoren, die die Effektivität einschränken</a:t>
+            </a:r>
+          </a:p>
+        </p:txBody>
+      </p:sp>
+      <p:sp>
+        <p:nvSpPr>
+          <p:cNvPr id="4" name="Textfeld 3">
+            <a:extLst>
+              <a:ext uri="{FF2B5EF4-FFF2-40B4-BE49-F238E27FC236}">
+                <a16:creationId xmlns:a16="http://schemas.microsoft.com/office/drawing/2014/main" id="{C0112DDD-844A-4A9C-B809-2881602135F9}"/>
+              </a:ext>
+            </a:extLst>
+          </p:cNvPr>
+          <p:cNvSpPr txBox="1"/>
+          <p:nvPr/>
+        </p:nvSpPr>
+        <p:spPr>
+          <a:xfrm>
+            <a:off x="1069371" y="4345074"/>
+            <a:ext cx="8902052" cy="1292662"/>
+          </a:xfrm>
+          <a:prstGeom prst="rect">
+            <a:avLst/>
+          </a:prstGeom>
+          <a:noFill/>
+        </p:spPr>
+        <p:txBody>
+          <a:bodyPr wrap="none" rtlCol="0">
+            <a:spAutoFit/>
+          </a:bodyPr>
+          <a:lstStyle/>
+          <a:p>
+            <a:r>
+              <a:rPr lang="de-DE" sz="3600" dirty="0"/>
+              <a:t>Unsere Lösung:</a:t>
+            </a:r>
+          </a:p>
+          <a:p>
+            <a:r>
+              <a:rPr lang="de-DE" sz="2400" dirty="0"/>
+              <a:t>Ein System aus Unterwasserdrohnen automatisiert die Aussaat und Ernte</a:t>
+            </a:r>
+          </a:p>
+          <a:p>
+            <a:endParaRPr lang="de-DE" dirty="0"/>
+          </a:p>
+        </p:txBody>
+      </p:sp>
+      <p:sp>
+        <p:nvSpPr>
+          <p:cNvPr id="9" name="Pfeil: nach unten 8">
+            <a:extLst>
+              <a:ext uri="{FF2B5EF4-FFF2-40B4-BE49-F238E27FC236}">
+                <a16:creationId xmlns:a16="http://schemas.microsoft.com/office/drawing/2014/main" id="{225B3035-545B-46CF-810B-8B3302F69669}"/>
+              </a:ext>
+            </a:extLst>
+          </p:cNvPr>
+          <p:cNvSpPr/>
+          <p:nvPr/>
+        </p:nvSpPr>
+        <p:spPr>
+          <a:xfrm>
+            <a:off x="7391241" y="1466850"/>
+            <a:ext cx="152559" cy="1891434"/>
+          </a:xfrm>
+          <a:prstGeom prst="downArrow">
+            <a:avLst/>
+          </a:prstGeom>
+          <a:solidFill>
+            <a:schemeClr val="tx1"/>
+          </a:solidFill>
+        </p:spPr>
+        <p:style>
+          <a:lnRef idx="2">
+            <a:schemeClr val="accent1">
+              <a:shade val="50000"/>
+            </a:schemeClr>
+          </a:lnRef>
+          <a:fillRef idx="1">
+            <a:schemeClr val="accent1"/>
+          </a:fillRef>
+          <a:effectRef idx="0">
+            <a:schemeClr val="accent1"/>
+          </a:effectRef>
+          <a:fontRef idx="minor">
+            <a:schemeClr val="lt1"/>
+          </a:fontRef>
+        </p:style>
+        <p:txBody>
+          <a:bodyPr rtlCol="0" anchor="ctr"/>
+          <a:lstStyle/>
+          <a:p>
+            <a:pPr algn="ctr"/>
+            <a:endParaRPr lang="de-DE">
+              <a:solidFill>
+                <a:srgbClr val="C17F63"/>
+              </a:solidFill>
+            </a:endParaRPr>
+          </a:p>
+        </p:txBody>
+      </p:sp>
+    </p:spTree>
+    <p:extLst>
+      <p:ext uri="{BB962C8B-B14F-4D97-AF65-F5344CB8AC3E}">
+        <p14:creationId xmlns:p14="http://schemas.microsoft.com/office/powerpoint/2010/main" val="3301530219"/>
+      </p:ext>
+    </p:extLst>
+  </p:cSld>
+  <p:clrMapOvr>
+    <a:masterClrMapping/>
+  </p:clrMapOvr>
+  <p:timing>
+    <p:tnLst>
+      <p:par>
+        <p:cTn id="1" dur="indefinite" restart="never" nodeType="tmRoot">
+          <p:childTnLst>
+            <p:seq concurrent="1" nextAc="seek">
+              <p:cTn id="2" dur="indefinite" nodeType="mainSeq">
+                <p:childTnLst>
+                  <p:par>
+                    <p:cTn id="3" fill="hold">
+                      <p:stCondLst>
+                        <p:cond delay="indefinite"/>
+                      </p:stCondLst>
+                      <p:childTnLst>
+                        <p:par>
+                          <p:cTn id="4" fill="hold">
+                            <p:stCondLst>
+                              <p:cond delay="0"/>
+                            </p:stCondLst>
+                            <p:childTnLst>
+                              <p:par>
+                                <p:cTn id="5" presetID="1" presetClass="entr" presetSubtype="0" fill="hold" nodeType="clickEffect">
+                                  <p:stCondLst>
+                                    <p:cond delay="0"/>
+                                  </p:stCondLst>
+                                  <p:childTnLst>
+                                    <p:set>
+                                      <p:cBhvr>
+                                        <p:cTn id="6" dur="1" fill="hold">
+                                          <p:stCondLst>
+                                            <p:cond delay="0"/>
+                                          </p:stCondLst>
+                                        </p:cTn>
+                                        <p:tgtEl>
+                                          <p:spTgt spid="2">
+                                            <p:txEl>
+                                              <p:pRg st="1" end="1"/>
+                                            </p:txEl>
+                                          </p:spTgt>
+                                        </p:tgtEl>
+                                        <p:attrNameLst>
+                                          <p:attrName>style.visibility</p:attrName>
+                                        </p:attrNameLst>
+                                      </p:cBhvr>
+                                      <p:to>
+                                        <p:strVal val="visible"/>
+                                      </p:to>
+                                    </p:set>
+                                  </p:childTnLst>
+                                </p:cTn>
+                              </p:par>
+                            </p:childTnLst>
+                          </p:cTn>
+                        </p:par>
+                      </p:childTnLst>
+                    </p:cTn>
+                  </p:par>
+                  <p:par>
+                    <p:cTn id="7" fill="hold">
+                      <p:stCondLst>
+                        <p:cond delay="indefinite"/>
+                      </p:stCondLst>
+                      <p:childTnLst>
+                        <p:par>
+                          <p:cTn id="8" fill="hold">
+                            <p:stCondLst>
+                              <p:cond delay="0"/>
+                            </p:stCondLst>
+                            <p:childTnLst>
+                              <p:par>
+                                <p:cTn id="9" presetID="1" presetClass="entr" presetSubtype="0" fill="hold" nodeType="clickEffect">
+                                  <p:stCondLst>
+                                    <p:cond delay="0"/>
+                                  </p:stCondLst>
+                                  <p:childTnLst>
+                                    <p:set>
+                                      <p:cBhvr>
+                                        <p:cTn id="10" dur="1" fill="hold">
+                                          <p:stCondLst>
+                                            <p:cond delay="0"/>
+                                          </p:stCondLst>
+                                        </p:cTn>
+                                        <p:tgtEl>
+                                          <p:spTgt spid="2">
+                                            <p:txEl>
+                                              <p:pRg st="2" end="2"/>
+                                            </p:txEl>
+                                          </p:spTgt>
+                                        </p:tgtEl>
+                                        <p:attrNameLst>
+                                          <p:attrName>style.visibility</p:attrName>
+                                        </p:attrNameLst>
+                                      </p:cBhvr>
+                                      <p:to>
+                                        <p:strVal val="visible"/>
+                                      </p:to>
+                                    </p:set>
+                                  </p:childTnLst>
+                                </p:cTn>
+                              </p:par>
+                            </p:childTnLst>
+                          </p:cTn>
+                        </p:par>
+                      </p:childTnLst>
+                    </p:cTn>
+                  </p:par>
+                  <p:par>
+                    <p:cTn id="11" fill="hold">
+                      <p:stCondLst>
+                        <p:cond delay="indefinite"/>
+                      </p:stCondLst>
+                      <p:childTnLst>
+                        <p:par>
+                          <p:cTn id="12" fill="hold">
+                            <p:stCondLst>
+                              <p:cond delay="0"/>
+                            </p:stCondLst>
+                            <p:childTnLst>
+                              <p:par>
+                                <p:cTn id="13" presetID="1" presetClass="entr" presetSubtype="0" fill="hold" nodeType="clickEffect">
+                                  <p:stCondLst>
+                                    <p:cond delay="0"/>
+                                  </p:stCondLst>
+                                  <p:childTnLst>
+                                    <p:set>
+                                      <p:cBhvr>
+                                        <p:cTn id="14" dur="1" fill="hold">
+                                          <p:stCondLst>
+                                            <p:cond delay="0"/>
+                                          </p:stCondLst>
+                                        </p:cTn>
+                                        <p:tgtEl>
+                                          <p:spTgt spid="2">
+                                            <p:txEl>
+                                              <p:pRg st="3" end="3"/>
+                                            </p:txEl>
+                                          </p:spTgt>
+                                        </p:tgtEl>
+                                        <p:attrNameLst>
+                                          <p:attrName>style.visibility</p:attrName>
+                                        </p:attrNameLst>
+                                      </p:cBhvr>
+                                      <p:to>
+                                        <p:strVal val="visible"/>
+                                      </p:to>
+                                    </p:set>
+                                  </p:childTnLst>
+                                </p:cTn>
+                              </p:par>
+                            </p:childTnLst>
+                          </p:cTn>
+                        </p:par>
+                      </p:childTnLst>
+                    </p:cTn>
+                  </p:par>
+                  <p:par>
+                    <p:cTn id="15" fill="hold">
+                      <p:stCondLst>
+                        <p:cond delay="indefinite"/>
+                      </p:stCondLst>
+                      <p:childTnLst>
+                        <p:par>
+                          <p:cTn id="16" fill="hold">
+                            <p:stCondLst>
+                              <p:cond delay="0"/>
+                            </p:stCondLst>
+                            <p:childTnLst>
+                              <p:par>
+                                <p:cTn id="17" presetID="47" presetClass="entr" presetSubtype="0" fill="hold" grpId="0" nodeType="clickEffect">
+                                  <p:stCondLst>
+                                    <p:cond delay="0"/>
+                                  </p:stCondLst>
+                                  <p:childTnLst>
+                                    <p:set>
+                                      <p:cBhvr>
+                                        <p:cTn id="18" dur="1" fill="hold">
+                                          <p:stCondLst>
+                                            <p:cond delay="0"/>
+                                          </p:stCondLst>
+                                        </p:cTn>
+                                        <p:tgtEl>
+                                          <p:spTgt spid="9"/>
+                                        </p:tgtEl>
+                                        <p:attrNameLst>
+                                          <p:attrName>style.visibility</p:attrName>
+                                        </p:attrNameLst>
+                                      </p:cBhvr>
+                                      <p:to>
+                                        <p:strVal val="visible"/>
+                                      </p:to>
+                                    </p:set>
+                                    <p:animEffect transition="in" filter="fade">
+                                      <p:cBhvr>
+                                        <p:cTn id="19" dur="1000"/>
+                                        <p:tgtEl>
+                                          <p:spTgt spid="9"/>
+                                        </p:tgtEl>
+                                      </p:cBhvr>
+                                    </p:animEffect>
+                                    <p:anim calcmode="lin" valueType="num">
+                                      <p:cBhvr>
+                                        <p:cTn id="20" dur="1000" fill="hold"/>
+                                        <p:tgtEl>
+                                          <p:spTgt spid="9"/>
+                                        </p:tgtEl>
+                                        <p:attrNameLst>
+                                          <p:attrName>ppt_x</p:attrName>
+                                        </p:attrNameLst>
+                                      </p:cBhvr>
+                                      <p:tavLst>
+                                        <p:tav tm="0">
+                                          <p:val>
+                                            <p:strVal val="#ppt_x"/>
+                                          </p:val>
+                                        </p:tav>
+                                        <p:tav tm="100000">
+                                          <p:val>
+                                            <p:strVal val="#ppt_x"/>
+                                          </p:val>
+                                        </p:tav>
+                                      </p:tavLst>
+                                    </p:anim>
+                                    <p:anim calcmode="lin" valueType="num">
+                                      <p:cBhvr>
+                                        <p:cTn id="21" dur="1000" fill="hold"/>
+                                        <p:tgtEl>
+                                          <p:spTgt spid="9"/>
+                                        </p:tgtEl>
+                                        <p:attrNameLst>
+                                          <p:attrName>ppt_y</p:attrName>
+                                        </p:attrNameLst>
+                                      </p:cBhvr>
+                                      <p:tavLst>
+                                        <p:tav tm="0">
+                                          <p:val>
+                                            <p:strVal val="#ppt_y-.1"/>
+                                          </p:val>
+                                        </p:tav>
+                                        <p:tav tm="100000">
+                                          <p:val>
+                                            <p:strVal val="#ppt_y"/>
+                                          </p:val>
+                                        </p:tav>
+                                      </p:tavLst>
+                                    </p:anim>
+                                  </p:childTnLst>
+                                </p:cTn>
+                              </p:par>
+                              <p:par>
+                                <p:cTn id="22" presetID="1" presetClass="entr" presetSubtype="0" fill="hold" grpId="0" nodeType="withEffect">
+                                  <p:stCondLst>
+                                    <p:cond delay="1000"/>
+                                  </p:stCondLst>
+                                  <p:childTnLst>
+                                    <p:set>
+                                      <p:cBhvr>
+                                        <p:cTn id="23" dur="1" fill="hold">
+                                          <p:stCondLst>
+                                            <p:cond delay="0"/>
+                                          </p:stCondLst>
+                                        </p:cTn>
+                                        <p:tgtEl>
+                                          <p:spTgt spid="3"/>
+                                        </p:tgtEl>
+                                        <p:attrNameLst>
+                                          <p:attrName>style.visibility</p:attrName>
+                                        </p:attrNameLst>
+                                      </p:cBhvr>
+                                      <p:to>
+                                        <p:strVal val="visible"/>
+                                      </p:to>
+                                    </p:set>
+                                  </p:childTnLst>
+                                </p:cTn>
+                              </p:par>
+                            </p:childTnLst>
+                          </p:cTn>
+                        </p:par>
+                      </p:childTnLst>
+                    </p:cTn>
+                  </p:par>
+                  <p:par>
+                    <p:cTn id="24" fill="hold">
+                      <p:stCondLst>
+                        <p:cond delay="indefinite"/>
+                      </p:stCondLst>
+                      <p:childTnLst>
+                        <p:par>
+                          <p:cTn id="25" fill="hold">
+                            <p:stCondLst>
+                              <p:cond delay="0"/>
+                            </p:stCondLst>
+                            <p:childTnLst>
+                              <p:par>
+                                <p:cTn id="26" presetID="1" presetClass="entr" presetSubtype="0" fill="hold" nodeType="clickEffect">
+                                  <p:stCondLst>
+                                    <p:cond delay="0"/>
+                                  </p:stCondLst>
+                                  <p:childTnLst>
+                                    <p:set>
+                                      <p:cBhvr>
+                                        <p:cTn id="27" dur="1" fill="hold">
+                                          <p:stCondLst>
+                                            <p:cond delay="0"/>
+                                          </p:stCondLst>
+                                        </p:cTn>
+                                        <p:tgtEl>
+                                          <p:spTgt spid="4">
+                                            <p:txEl>
+                                              <p:pRg st="0" end="0"/>
+                                            </p:txEl>
+                                          </p:spTgt>
+                                        </p:tgtEl>
+                                        <p:attrNameLst>
+                                          <p:attrName>style.visibility</p:attrName>
+                                        </p:attrNameLst>
+                                      </p:cBhvr>
+                                      <p:to>
+                                        <p:strVal val="visible"/>
+                                      </p:to>
+                                    </p:set>
+                                  </p:childTnLst>
+                                </p:cTn>
+                              </p:par>
+                            </p:childTnLst>
+                          </p:cTn>
+                        </p:par>
+                      </p:childTnLst>
+                    </p:cTn>
+                  </p:par>
+                  <p:par>
+                    <p:cTn id="28" fill="hold">
+                      <p:stCondLst>
+                        <p:cond delay="indefinite"/>
+                      </p:stCondLst>
+                      <p:childTnLst>
+                        <p:par>
+                          <p:cTn id="29" fill="hold">
+                            <p:stCondLst>
+                              <p:cond delay="0"/>
+                            </p:stCondLst>
+                            <p:childTnLst>
+                              <p:par>
+                                <p:cTn id="30" presetID="1" presetClass="entr" presetSubtype="0" fill="hold" nodeType="clickEffect">
+                                  <p:stCondLst>
+                                    <p:cond delay="0"/>
+                                  </p:stCondLst>
+                                  <p:childTnLst>
+                                    <p:set>
+                                      <p:cBhvr>
+                                        <p:cTn id="31" dur="1" fill="hold">
+                                          <p:stCondLst>
+                                            <p:cond delay="0"/>
+                                          </p:stCondLst>
+                                        </p:cTn>
+                                        <p:tgtEl>
+                                          <p:spTgt spid="4">
+                                            <p:txEl>
+                                              <p:pRg st="1" end="1"/>
+                                            </p:txEl>
+                                          </p:spTgt>
+                                        </p:tgtEl>
+                                        <p:attrNameLst>
+                                          <p:attrName>style.visibility</p:attrName>
+                                        </p:attrNameLst>
+                                      </p:cBhvr>
+                                      <p:to>
+                                        <p:strVal val="visible"/>
+                                      </p:to>
+                                    </p:set>
+                                  </p:childTnLst>
+                                </p:cTn>
+                              </p:par>
+                            </p:childTnLst>
+                          </p:cTn>
+                        </p:par>
+                      </p:childTnLst>
+                    </p:cTn>
+                  </p:par>
+                </p:childTnLst>
+              </p:cTn>
+              <p:prevCondLst>
+                <p:cond evt="onPrev" delay="0">
+                  <p:tgtEl>
+                    <p:sldTgt/>
+                  </p:tgtEl>
+                </p:cond>
+              </p:prevCondLst>
+              <p:nextCondLst>
+                <p:cond evt="onNext" delay="0">
+                  <p:tgtEl>
+                    <p:sldTgt/>
+                  </p:tgtEl>
+                </p:cond>
+              </p:nextCondLst>
+            </p:seq>
+          </p:childTnLst>
+        </p:cTn>
+      </p:par>
+    </p:tnLst>
+    <p:bldLst>
+      <p:bldP spid="3" grpId="0"/>
+      <p:bldP spid="9" grpId="0" animBg="1"/>
+    </p:bldLst>
+  </p:timing>
+</p:sld>
+</file>
+
+<file path=ppt/slides/slide2.xml><?xml version="1.0" encoding="utf-8"?>
 <p:sld xmlns:a="http://schemas.openxmlformats.org/drawingml/2006/main" xmlns:r="http://schemas.openxmlformats.org/officeDocument/2006/relationships" xmlns:p="http://schemas.openxmlformats.org/presentationml/2006/main" showMasterSp="0">
   <p:cSld>
     <p:bg>
@@ -3442,56 +4740,6 @@
           <a:chExt cx="0" cy="0"/>
         </a:xfrm>
       </p:grpSpPr>
-      <p:sp>
-        <p:nvSpPr>
-          <p:cNvPr id="2" name="Titel 1">
-            <a:extLst>
-              <a:ext uri="{FF2B5EF4-FFF2-40B4-BE49-F238E27FC236}">
-                <a16:creationId xmlns:a16="http://schemas.microsoft.com/office/drawing/2014/main" id="{1598A5BA-15BC-4F77-8930-09B9DAFA3145}"/>
-              </a:ext>
-            </a:extLst>
-          </p:cNvPr>
-          <p:cNvSpPr>
-            <a:spLocks noGrp="1"/>
-          </p:cNvSpPr>
-          <p:nvPr>
-            <p:ph type="ctrTitle"/>
-          </p:nvPr>
-        </p:nvSpPr>
-        <p:spPr/>
-        <p:txBody>
-          <a:bodyPr/>
-          <a:lstStyle/>
-          <a:p>
-            <a:endParaRPr lang="de-DE" dirty="0"/>
-          </a:p>
-        </p:txBody>
-      </p:sp>
-      <p:sp>
-        <p:nvSpPr>
-          <p:cNvPr id="3" name="Untertitel 2">
-            <a:extLst>
-              <a:ext uri="{FF2B5EF4-FFF2-40B4-BE49-F238E27FC236}">
-                <a16:creationId xmlns:a16="http://schemas.microsoft.com/office/drawing/2014/main" id="{046F88D3-FD2B-4112-A1F3-0CE88CD3F483}"/>
-              </a:ext>
-            </a:extLst>
-          </p:cNvPr>
-          <p:cNvSpPr>
-            <a:spLocks noGrp="1"/>
-          </p:cNvSpPr>
-          <p:nvPr>
-            <p:ph type="subTitle" idx="1"/>
-          </p:nvPr>
-        </p:nvSpPr>
-        <p:spPr/>
-        <p:txBody>
-          <a:bodyPr/>
-          <a:lstStyle/>
-          <a:p>
-            <a:endParaRPr lang="de-DE" dirty="0"/>
-          </a:p>
-        </p:txBody>
-      </p:sp>
       <p:pic>
         <p:nvPicPr>
           <p:cNvPr id="5" name="Grafik 4">
@@ -3541,7 +4789,7 @@
 </p:sld>
 </file>
 
-<file path=ppt/slides/slide2.xml><?xml version="1.0" encoding="utf-8"?>
+<file path=ppt/slides/slide3.xml><?xml version="1.0" encoding="utf-8"?>
 <p:sld xmlns:a="http://schemas.openxmlformats.org/drawingml/2006/main" xmlns:r="http://schemas.openxmlformats.org/officeDocument/2006/relationships" xmlns:p="http://schemas.openxmlformats.org/presentationml/2006/main">
   <p:cSld>
     <p:bg>
@@ -3849,9 +5097,17 @@
 </p:sld>
 </file>
 
-<file path=ppt/slides/slide3.xml><?xml version="1.0" encoding="utf-8"?>
+<file path=ppt/slides/slide4.xml><?xml version="1.0" encoding="utf-8"?>
 <p:sld xmlns:a="http://schemas.openxmlformats.org/drawingml/2006/main" xmlns:r="http://schemas.openxmlformats.org/officeDocument/2006/relationships" xmlns:p="http://schemas.openxmlformats.org/presentationml/2006/main">
   <p:cSld>
+    <p:bg>
+      <p:bgPr>
+        <a:solidFill>
+          <a:srgbClr val="C17F63"/>
+        </a:solidFill>
+        <a:effectLst/>
+      </p:bgPr>
+    </p:bg>
     <p:spTree>
       <p:nvGrpSpPr>
         <p:cNvPr id="1" name=""/>
@@ -3866,10 +5122,213 @@
           <a:chExt cx="0" cy="0"/>
         </a:xfrm>
       </p:grpSpPr>
+      <p:sp>
+        <p:nvSpPr>
+          <p:cNvPr id="22" name="Rectangle 21">
+            <a:extLst>
+              <a:ext uri="{FF2B5EF4-FFF2-40B4-BE49-F238E27FC236}">
+                <a16:creationId xmlns:a16="http://schemas.microsoft.com/office/drawing/2014/main" id="{44B3F5F5-166C-4694-B20A-3F8218AF7D03}"/>
+              </a:ext>
+              <a:ext uri="{C183D7F6-B498-43B3-948B-1728B52AA6E4}">
+                <adec:decorative xmlns:adec="http://schemas.microsoft.com/office/drawing/2017/decorative" val="1"/>
+              </a:ext>
+            </a:extLst>
+          </p:cNvPr>
+          <p:cNvSpPr>
+            <a:spLocks noGrp="1" noRot="1" noChangeAspect="1" noMove="1" noResize="1" noEditPoints="1" noAdjustHandles="1" noChangeArrowheads="1" noChangeShapeType="1" noTextEdit="1"/>
+          </p:cNvSpPr>
+          <p:nvPr>
+            <p:extLst>
+              <p:ext uri="{386F3935-93C4-4BCD-93E2-E3B085C9AB24}">
+                <p16:designElem xmlns:p16="http://schemas.microsoft.com/office/powerpoint/2015/main" val="1"/>
+              </p:ext>
+            </p:extLst>
+          </p:nvPr>
+        </p:nvSpPr>
+        <p:spPr>
+          <a:xfrm>
+            <a:off x="0" y="0"/>
+            <a:ext cx="12192000" cy="6858000"/>
+          </a:xfrm>
+          <a:prstGeom prst="rect">
+            <a:avLst/>
+          </a:prstGeom>
+          <a:solidFill>
+            <a:schemeClr val="bg2"/>
+          </a:solidFill>
+          <a:ln>
+            <a:noFill/>
+          </a:ln>
+        </p:spPr>
+        <p:style>
+          <a:lnRef idx="2">
+            <a:schemeClr val="accent1">
+              <a:shade val="50000"/>
+            </a:schemeClr>
+          </a:lnRef>
+          <a:fillRef idx="1">
+            <a:schemeClr val="accent1"/>
+          </a:fillRef>
+          <a:effectRef idx="0">
+            <a:schemeClr val="accent1"/>
+          </a:effectRef>
+          <a:fontRef idx="minor">
+            <a:schemeClr val="lt1"/>
+          </a:fontRef>
+        </p:style>
+        <p:txBody>
+          <a:bodyPr rtlCol="0" anchor="ctr"/>
+          <a:lstStyle/>
+          <a:p>
+            <a:pPr algn="ctr"/>
+            <a:endParaRPr lang="en-US"/>
+          </a:p>
+        </p:txBody>
+      </p:sp>
+      <p:sp>
+        <p:nvSpPr>
+          <p:cNvPr id="24" name="Rectangle 23">
+            <a:extLst>
+              <a:ext uri="{FF2B5EF4-FFF2-40B4-BE49-F238E27FC236}">
+                <a16:creationId xmlns:a16="http://schemas.microsoft.com/office/drawing/2014/main" id="{9E67A204-FB90-4B26-B155-3FA8064AD2DF}"/>
+              </a:ext>
+              <a:ext uri="{C183D7F6-B498-43B3-948B-1728B52AA6E4}">
+                <adec:decorative xmlns:adec="http://schemas.microsoft.com/office/drawing/2017/decorative" val="1"/>
+              </a:ext>
+            </a:extLst>
+          </p:cNvPr>
+          <p:cNvSpPr>
+            <a:spLocks noGrp="1" noRot="1" noChangeAspect="1" noMove="1" noResize="1" noEditPoints="1" noAdjustHandles="1" noChangeArrowheads="1" noChangeShapeType="1" noTextEdit="1"/>
+          </p:cNvSpPr>
+          <p:nvPr>
+            <p:extLst>
+              <p:ext uri="{386F3935-93C4-4BCD-93E2-E3B085C9AB24}">
+                <p16:designElem xmlns:p16="http://schemas.microsoft.com/office/powerpoint/2015/main" val="1"/>
+              </p:ext>
+            </p:extLst>
+          </p:nvPr>
+        </p:nvSpPr>
+        <p:spPr>
+          <a:xfrm>
+            <a:off x="477012" y="480060"/>
+            <a:ext cx="11237976" cy="5897880"/>
+          </a:xfrm>
+          <a:prstGeom prst="rect">
+            <a:avLst/>
+          </a:prstGeom>
+          <a:solidFill>
+            <a:schemeClr val="bg1"/>
+          </a:solidFill>
+          <a:ln w="22225">
+            <a:solidFill>
+              <a:srgbClr val="C17F63"/>
+            </a:solidFill>
+          </a:ln>
+        </p:spPr>
+        <p:style>
+          <a:lnRef idx="2">
+            <a:schemeClr val="accent1">
+              <a:shade val="50000"/>
+            </a:schemeClr>
+          </a:lnRef>
+          <a:fillRef idx="1">
+            <a:schemeClr val="accent1"/>
+          </a:fillRef>
+          <a:effectRef idx="0">
+            <a:schemeClr val="accent1"/>
+          </a:effectRef>
+          <a:fontRef idx="minor">
+            <a:schemeClr val="lt1"/>
+          </a:fontRef>
+        </p:style>
+        <p:txBody>
+          <a:bodyPr rtlCol="0" anchor="ctr"/>
+          <a:lstStyle/>
+          <a:p>
+            <a:pPr algn="ctr"/>
+            <a:endParaRPr lang="en-US"/>
+          </a:p>
+        </p:txBody>
+      </p:sp>
+      <p:sp>
+        <p:nvSpPr>
+          <p:cNvPr id="8" name="Textfeld 7">
+            <a:extLst>
+              <a:ext uri="{FF2B5EF4-FFF2-40B4-BE49-F238E27FC236}">
+                <a16:creationId xmlns:a16="http://schemas.microsoft.com/office/drawing/2014/main" id="{7DD7AA26-52C7-4759-880F-5BDA897B8ECA}"/>
+              </a:ext>
+            </a:extLst>
+          </p:cNvPr>
+          <p:cNvSpPr txBox="1"/>
+          <p:nvPr/>
+        </p:nvSpPr>
+        <p:spPr>
+          <a:xfrm>
+            <a:off x="2162175" y="1951672"/>
+            <a:ext cx="6096000" cy="1938992"/>
+          </a:xfrm>
+          <a:prstGeom prst="rect">
+            <a:avLst/>
+          </a:prstGeom>
+          <a:noFill/>
+        </p:spPr>
+        <p:txBody>
+          <a:bodyPr wrap="square">
+            <a:spAutoFit/>
+          </a:bodyPr>
+          <a:lstStyle/>
+          <a:p>
+            <a:r>
+              <a:rPr lang="de-DE" sz="2400" dirty="0"/>
+              <a:t>Teammitglieder:</a:t>
+            </a:r>
+          </a:p>
+          <a:p>
+            <a:r>
+              <a:rPr lang="de-DE" sz="2400" dirty="0"/>
+              <a:t>Leon Schwarz – CEO/Teamleitung</a:t>
+            </a:r>
+          </a:p>
+          <a:p>
+            <a:r>
+              <a:rPr lang="de-DE" sz="2400" dirty="0"/>
+              <a:t>Pascal </a:t>
+            </a:r>
+            <a:r>
+              <a:rPr lang="de-DE" sz="2400" dirty="0" err="1"/>
+              <a:t>Roschkowski</a:t>
+            </a:r>
+            <a:r>
+              <a:rPr lang="de-DE" sz="2400" dirty="0"/>
+              <a:t> – Controlling/Marktanalyse</a:t>
+            </a:r>
+          </a:p>
+          <a:p>
+            <a:r>
+              <a:rPr lang="de-DE" sz="2400" dirty="0"/>
+              <a:t>Tobias </a:t>
+            </a:r>
+            <a:r>
+              <a:rPr lang="de-DE" sz="2400" dirty="0" err="1"/>
+              <a:t>Röbke</a:t>
+            </a:r>
+            <a:r>
+              <a:rPr lang="de-DE" sz="2400" dirty="0"/>
+              <a:t> – technischer Leiter</a:t>
+            </a:r>
+          </a:p>
+          <a:p>
+            <a:r>
+              <a:rPr lang="de-DE" sz="2400" dirty="0"/>
+              <a:t>Philipp Otto – Marketing </a:t>
+            </a:r>
+          </a:p>
+        </p:txBody>
+      </p:sp>
     </p:spTree>
     <p:extLst>
       <p:ext uri="{BB962C8B-B14F-4D97-AF65-F5344CB8AC3E}">
-        <p14:creationId xmlns:p14="http://schemas.microsoft.com/office/powerpoint/2010/main" val="3849919909"/>
+        <p14:creationId xmlns:p14="http://schemas.microsoft.com/office/powerpoint/2010/main" val="3606124245"/>
       </p:ext>
     </p:extLst>
   </p:cSld>
@@ -3879,7 +5338,7 @@
 </p:sld>
 </file>
 
-<file path=ppt/slides/slide4.xml><?xml version="1.0" encoding="utf-8"?>
+<file path=ppt/slides/slide5.xml><?xml version="1.0" encoding="utf-8"?>
 <p:sld xmlns:a="http://schemas.openxmlformats.org/drawingml/2006/main" xmlns:r="http://schemas.openxmlformats.org/officeDocument/2006/relationships" xmlns:p="http://schemas.openxmlformats.org/presentationml/2006/main">
   <p:cSld>
     <p:bg>
@@ -4220,9 +5679,17 @@
 </p:sld>
 </file>
 
-<file path=ppt/slides/slide5.xml><?xml version="1.0" encoding="utf-8"?>
+<file path=ppt/slides/slide6.xml><?xml version="1.0" encoding="utf-8"?>
 <p:sld xmlns:a="http://schemas.openxmlformats.org/drawingml/2006/main" xmlns:r="http://schemas.openxmlformats.org/officeDocument/2006/relationships" xmlns:p="http://schemas.openxmlformats.org/presentationml/2006/main">
   <p:cSld>
+    <p:bg>
+      <p:bgPr>
+        <a:solidFill>
+          <a:srgbClr val="4960A6"/>
+        </a:solidFill>
+        <a:effectLst/>
+      </p:bgPr>
+    </p:bg>
     <p:spTree>
       <p:nvGrpSpPr>
         <p:cNvPr id="1" name=""/>
@@ -4237,10 +5704,666 @@
           <a:chExt cx="0" cy="0"/>
         </a:xfrm>
       </p:grpSpPr>
+      <p:sp>
+        <p:nvSpPr>
+          <p:cNvPr id="22" name="Rectangle 21">
+            <a:extLst>
+              <a:ext uri="{FF2B5EF4-FFF2-40B4-BE49-F238E27FC236}">
+                <a16:creationId xmlns:a16="http://schemas.microsoft.com/office/drawing/2014/main" id="{44B3F5F5-166C-4694-B20A-3F8218AF7D03}"/>
+              </a:ext>
+              <a:ext uri="{C183D7F6-B498-43B3-948B-1728B52AA6E4}">
+                <adec:decorative xmlns:adec="http://schemas.microsoft.com/office/drawing/2017/decorative" val="1"/>
+              </a:ext>
+            </a:extLst>
+          </p:cNvPr>
+          <p:cNvSpPr>
+            <a:spLocks noGrp="1" noRot="1" noChangeAspect="1" noMove="1" noResize="1" noEditPoints="1" noAdjustHandles="1" noChangeArrowheads="1" noChangeShapeType="1" noTextEdit="1"/>
+          </p:cNvSpPr>
+          <p:nvPr>
+            <p:extLst>
+              <p:ext uri="{386F3935-93C4-4BCD-93E2-E3B085C9AB24}">
+                <p16:designElem xmlns:p16="http://schemas.microsoft.com/office/powerpoint/2015/main" val="1"/>
+              </p:ext>
+            </p:extLst>
+          </p:nvPr>
+        </p:nvSpPr>
+        <p:spPr>
+          <a:xfrm>
+            <a:off x="0" y="0"/>
+            <a:ext cx="12192000" cy="6858000"/>
+          </a:xfrm>
+          <a:prstGeom prst="rect">
+            <a:avLst/>
+          </a:prstGeom>
+          <a:solidFill>
+            <a:schemeClr val="bg2"/>
+          </a:solidFill>
+          <a:ln>
+            <a:noFill/>
+          </a:ln>
+        </p:spPr>
+        <p:style>
+          <a:lnRef idx="2">
+            <a:schemeClr val="accent1">
+              <a:shade val="50000"/>
+            </a:schemeClr>
+          </a:lnRef>
+          <a:fillRef idx="1">
+            <a:schemeClr val="accent1"/>
+          </a:fillRef>
+          <a:effectRef idx="0">
+            <a:schemeClr val="accent1"/>
+          </a:effectRef>
+          <a:fontRef idx="minor">
+            <a:schemeClr val="lt1"/>
+          </a:fontRef>
+        </p:style>
+        <p:txBody>
+          <a:bodyPr rtlCol="0" anchor="ctr"/>
+          <a:lstStyle/>
+          <a:p>
+            <a:pPr algn="ctr"/>
+            <a:endParaRPr lang="en-US"/>
+          </a:p>
+        </p:txBody>
+      </p:sp>
+      <p:sp>
+        <p:nvSpPr>
+          <p:cNvPr id="24" name="Rectangle 23">
+            <a:extLst>
+              <a:ext uri="{FF2B5EF4-FFF2-40B4-BE49-F238E27FC236}">
+                <a16:creationId xmlns:a16="http://schemas.microsoft.com/office/drawing/2014/main" id="{9E67A204-FB90-4B26-B155-3FA8064AD2DF}"/>
+              </a:ext>
+              <a:ext uri="{C183D7F6-B498-43B3-948B-1728B52AA6E4}">
+                <adec:decorative xmlns:adec="http://schemas.microsoft.com/office/drawing/2017/decorative" val="1"/>
+              </a:ext>
+            </a:extLst>
+          </p:cNvPr>
+          <p:cNvSpPr>
+            <a:spLocks noGrp="1" noRot="1" noChangeAspect="1" noMove="1" noResize="1" noEditPoints="1" noAdjustHandles="1" noChangeArrowheads="1" noChangeShapeType="1" noTextEdit="1"/>
+          </p:cNvSpPr>
+          <p:nvPr>
+            <p:extLst>
+              <p:ext uri="{386F3935-93C4-4BCD-93E2-E3B085C9AB24}">
+                <p16:designElem xmlns:p16="http://schemas.microsoft.com/office/powerpoint/2015/main" val="1"/>
+              </p:ext>
+            </p:extLst>
+          </p:nvPr>
+        </p:nvSpPr>
+        <p:spPr>
+          <a:xfrm>
+            <a:off x="477012" y="480060"/>
+            <a:ext cx="11237976" cy="5897880"/>
+          </a:xfrm>
+          <a:prstGeom prst="rect">
+            <a:avLst/>
+          </a:prstGeom>
+          <a:solidFill>
+            <a:schemeClr val="bg1"/>
+          </a:solidFill>
+          <a:ln w="22225">
+            <a:solidFill>
+              <a:srgbClr val="C17F63"/>
+            </a:solidFill>
+          </a:ln>
+        </p:spPr>
+        <p:style>
+          <a:lnRef idx="2">
+            <a:schemeClr val="accent1">
+              <a:shade val="50000"/>
+            </a:schemeClr>
+          </a:lnRef>
+          <a:fillRef idx="1">
+            <a:schemeClr val="accent1"/>
+          </a:fillRef>
+          <a:effectRef idx="0">
+            <a:schemeClr val="accent1"/>
+          </a:effectRef>
+          <a:fontRef idx="minor">
+            <a:schemeClr val="lt1"/>
+          </a:fontRef>
+        </p:style>
+        <p:txBody>
+          <a:bodyPr rtlCol="0" anchor="ctr"/>
+          <a:lstStyle/>
+          <a:p>
+            <a:pPr algn="ctr"/>
+            <a:endParaRPr lang="en-US"/>
+          </a:p>
+        </p:txBody>
+      </p:sp>
+      <p:pic>
+        <p:nvPicPr>
+          <p:cNvPr id="3" name="Grafik 2" descr="Ein Bild, das draußen, Wasser, Berg, Gras enthält.&#10;&#10;Automatisch generierte Beschreibung">
+            <a:extLst>
+              <a:ext uri="{FF2B5EF4-FFF2-40B4-BE49-F238E27FC236}">
+                <a16:creationId xmlns:a16="http://schemas.microsoft.com/office/drawing/2014/main" id="{8DA7F572-34D0-4D64-92A6-E64E642B7311}"/>
+              </a:ext>
+            </a:extLst>
+          </p:cNvPr>
+          <p:cNvPicPr>
+            <a:picLocks noChangeAspect="1"/>
+          </p:cNvPicPr>
+          <p:nvPr/>
+        </p:nvPicPr>
+        <p:blipFill rotWithShape="1">
+          <a:blip r:embed="rId2">
+            <a:extLst>
+              <a:ext uri="{28A0092B-C50C-407E-A947-70E740481C1C}">
+                <a14:useLocalDpi xmlns:a14="http://schemas.microsoft.com/office/drawing/2010/main" val="0"/>
+              </a:ext>
+            </a:extLst>
+          </a:blip>
+          <a:srcRect t="23465" r="1" b="1"/>
+          <a:stretch/>
+        </p:blipFill>
+        <p:spPr>
+          <a:xfrm>
+            <a:off x="4444884" y="2649653"/>
+            <a:ext cx="7223346" cy="3690187"/>
+          </a:xfrm>
+          <a:prstGeom prst="rect">
+            <a:avLst/>
+          </a:prstGeom>
+        </p:spPr>
+      </p:pic>
+      <p:sp>
+        <p:nvSpPr>
+          <p:cNvPr id="5" name="Textfeld 4">
+            <a:extLst>
+              <a:ext uri="{FF2B5EF4-FFF2-40B4-BE49-F238E27FC236}">
+                <a16:creationId xmlns:a16="http://schemas.microsoft.com/office/drawing/2014/main" id="{9F822A53-A493-4044-BD01-4DFD2A4FF408}"/>
+              </a:ext>
+            </a:extLst>
+          </p:cNvPr>
+          <p:cNvSpPr txBox="1"/>
+          <p:nvPr/>
+        </p:nvSpPr>
+        <p:spPr>
+          <a:xfrm>
+            <a:off x="841269" y="1057989"/>
+            <a:ext cx="3603615" cy="3416320"/>
+          </a:xfrm>
+          <a:prstGeom prst="rect">
+            <a:avLst/>
+          </a:prstGeom>
+          <a:noFill/>
+        </p:spPr>
+        <p:txBody>
+          <a:bodyPr wrap="square" rtlCol="0">
+            <a:spAutoFit/>
+          </a:bodyPr>
+          <a:lstStyle/>
+          <a:p>
+            <a:r>
+              <a:rPr lang="de-DE" sz="2400" dirty="0"/>
+              <a:t>Der Druck auf die Landwirtschaft steigt. </a:t>
+            </a:r>
+          </a:p>
+          <a:p>
+            <a:r>
+              <a:rPr lang="de-DE" sz="2400" dirty="0"/>
+              <a:t>Landwirte müssen immer effizienter Arbeiten, dazu verwenden sie hohe Mengen an:</a:t>
+            </a:r>
+          </a:p>
+          <a:p>
+            <a:pPr marL="285750" indent="-285750">
+              <a:buFontTx/>
+              <a:buChar char="-"/>
+            </a:pPr>
+            <a:r>
+              <a:rPr lang="de-DE" sz="2400" dirty="0"/>
+              <a:t>Düngemittel</a:t>
+            </a:r>
+          </a:p>
+          <a:p>
+            <a:pPr marL="285750" indent="-285750">
+              <a:buFontTx/>
+              <a:buChar char="-"/>
+            </a:pPr>
+            <a:r>
+              <a:rPr lang="de-DE" sz="2400" dirty="0"/>
+              <a:t>Pestiziden</a:t>
+            </a:r>
+          </a:p>
+          <a:p>
+            <a:pPr marL="285750" indent="-285750">
+              <a:buFontTx/>
+              <a:buChar char="-"/>
+            </a:pPr>
+            <a:r>
+              <a:rPr lang="de-DE" sz="2400" dirty="0"/>
+              <a:t>Monokulturen </a:t>
+            </a:r>
+          </a:p>
+        </p:txBody>
+      </p:sp>
+      <p:sp>
+        <p:nvSpPr>
+          <p:cNvPr id="6" name="Textfeld 5">
+            <a:extLst>
+              <a:ext uri="{FF2B5EF4-FFF2-40B4-BE49-F238E27FC236}">
+                <a16:creationId xmlns:a16="http://schemas.microsoft.com/office/drawing/2014/main" id="{2E5BA07F-D363-47B9-8C20-A341C7F1640B}"/>
+              </a:ext>
+            </a:extLst>
+          </p:cNvPr>
+          <p:cNvSpPr txBox="1"/>
+          <p:nvPr/>
+        </p:nvSpPr>
+        <p:spPr>
+          <a:xfrm>
+            <a:off x="9985964" y="2334946"/>
+            <a:ext cx="1752403" cy="338554"/>
+          </a:xfrm>
+          <a:prstGeom prst="rect">
+            <a:avLst/>
+          </a:prstGeom>
+          <a:noFill/>
+        </p:spPr>
+        <p:txBody>
+          <a:bodyPr wrap="none" rtlCol="0">
+            <a:spAutoFit/>
+          </a:bodyPr>
+          <a:lstStyle/>
+          <a:p>
+            <a:r>
+              <a:rPr lang="de-DE" sz="1600" i="1" dirty="0"/>
+              <a:t>Quelle: Greenpeace</a:t>
+            </a:r>
+          </a:p>
+        </p:txBody>
+      </p:sp>
     </p:spTree>
     <p:extLst>
       <p:ext uri="{BB962C8B-B14F-4D97-AF65-F5344CB8AC3E}">
-        <p14:creationId xmlns:p14="http://schemas.microsoft.com/office/powerpoint/2010/main" val="2418788168"/>
+        <p14:creationId xmlns:p14="http://schemas.microsoft.com/office/powerpoint/2010/main" val="3849919909"/>
+      </p:ext>
+    </p:extLst>
+  </p:cSld>
+  <p:clrMapOvr>
+    <a:masterClrMapping/>
+  </p:clrMapOvr>
+  <p:timing>
+    <p:tnLst>
+      <p:par>
+        <p:cTn id="1" dur="indefinite" restart="never" nodeType="tmRoot">
+          <p:childTnLst>
+            <p:seq concurrent="1" nextAc="seek">
+              <p:cTn id="2" dur="indefinite" nodeType="mainSeq">
+                <p:childTnLst>
+                  <p:par>
+                    <p:cTn id="3" fill="hold">
+                      <p:stCondLst>
+                        <p:cond delay="indefinite"/>
+                      </p:stCondLst>
+                      <p:childTnLst>
+                        <p:par>
+                          <p:cTn id="4" fill="hold">
+                            <p:stCondLst>
+                              <p:cond delay="0"/>
+                            </p:stCondLst>
+                            <p:childTnLst>
+                              <p:par>
+                                <p:cTn id="5" presetID="1" presetClass="entr" presetSubtype="0" fill="hold" nodeType="clickEffect">
+                                  <p:stCondLst>
+                                    <p:cond delay="0"/>
+                                  </p:stCondLst>
+                                  <p:childTnLst>
+                                    <p:set>
+                                      <p:cBhvr>
+                                        <p:cTn id="6" dur="1" fill="hold">
+                                          <p:stCondLst>
+                                            <p:cond delay="0"/>
+                                          </p:stCondLst>
+                                        </p:cTn>
+                                        <p:tgtEl>
+                                          <p:spTgt spid="5">
+                                            <p:txEl>
+                                              <p:pRg st="2" end="2"/>
+                                            </p:txEl>
+                                          </p:spTgt>
+                                        </p:tgtEl>
+                                        <p:attrNameLst>
+                                          <p:attrName>style.visibility</p:attrName>
+                                        </p:attrNameLst>
+                                      </p:cBhvr>
+                                      <p:to>
+                                        <p:strVal val="visible"/>
+                                      </p:to>
+                                    </p:set>
+                                  </p:childTnLst>
+                                </p:cTn>
+                              </p:par>
+                            </p:childTnLst>
+                          </p:cTn>
+                        </p:par>
+                      </p:childTnLst>
+                    </p:cTn>
+                  </p:par>
+                  <p:par>
+                    <p:cTn id="7" fill="hold">
+                      <p:stCondLst>
+                        <p:cond delay="indefinite"/>
+                      </p:stCondLst>
+                      <p:childTnLst>
+                        <p:par>
+                          <p:cTn id="8" fill="hold">
+                            <p:stCondLst>
+                              <p:cond delay="0"/>
+                            </p:stCondLst>
+                            <p:childTnLst>
+                              <p:par>
+                                <p:cTn id="9" presetID="1" presetClass="entr" presetSubtype="0" fill="hold" nodeType="clickEffect">
+                                  <p:stCondLst>
+                                    <p:cond delay="0"/>
+                                  </p:stCondLst>
+                                  <p:childTnLst>
+                                    <p:set>
+                                      <p:cBhvr>
+                                        <p:cTn id="10" dur="1" fill="hold">
+                                          <p:stCondLst>
+                                            <p:cond delay="0"/>
+                                          </p:stCondLst>
+                                        </p:cTn>
+                                        <p:tgtEl>
+                                          <p:spTgt spid="5">
+                                            <p:txEl>
+                                              <p:pRg st="3" end="3"/>
+                                            </p:txEl>
+                                          </p:spTgt>
+                                        </p:tgtEl>
+                                        <p:attrNameLst>
+                                          <p:attrName>style.visibility</p:attrName>
+                                        </p:attrNameLst>
+                                      </p:cBhvr>
+                                      <p:to>
+                                        <p:strVal val="visible"/>
+                                      </p:to>
+                                    </p:set>
+                                  </p:childTnLst>
+                                </p:cTn>
+                              </p:par>
+                            </p:childTnLst>
+                          </p:cTn>
+                        </p:par>
+                      </p:childTnLst>
+                    </p:cTn>
+                  </p:par>
+                  <p:par>
+                    <p:cTn id="11" fill="hold">
+                      <p:stCondLst>
+                        <p:cond delay="indefinite"/>
+                      </p:stCondLst>
+                      <p:childTnLst>
+                        <p:par>
+                          <p:cTn id="12" fill="hold">
+                            <p:stCondLst>
+                              <p:cond delay="0"/>
+                            </p:stCondLst>
+                            <p:childTnLst>
+                              <p:par>
+                                <p:cTn id="13" presetID="1" presetClass="entr" presetSubtype="0" fill="hold" nodeType="clickEffect">
+                                  <p:stCondLst>
+                                    <p:cond delay="0"/>
+                                  </p:stCondLst>
+                                  <p:childTnLst>
+                                    <p:set>
+                                      <p:cBhvr>
+                                        <p:cTn id="14" dur="1" fill="hold">
+                                          <p:stCondLst>
+                                            <p:cond delay="0"/>
+                                          </p:stCondLst>
+                                        </p:cTn>
+                                        <p:tgtEl>
+                                          <p:spTgt spid="5">
+                                            <p:txEl>
+                                              <p:pRg st="4" end="4"/>
+                                            </p:txEl>
+                                          </p:spTgt>
+                                        </p:tgtEl>
+                                        <p:attrNameLst>
+                                          <p:attrName>style.visibility</p:attrName>
+                                        </p:attrNameLst>
+                                      </p:cBhvr>
+                                      <p:to>
+                                        <p:strVal val="visible"/>
+                                      </p:to>
+                                    </p:set>
+                                  </p:childTnLst>
+                                </p:cTn>
+                              </p:par>
+                            </p:childTnLst>
+                          </p:cTn>
+                        </p:par>
+                      </p:childTnLst>
+                    </p:cTn>
+                  </p:par>
+                </p:childTnLst>
+              </p:cTn>
+              <p:prevCondLst>
+                <p:cond evt="onPrev" delay="0">
+                  <p:tgtEl>
+                    <p:sldTgt/>
+                  </p:tgtEl>
+                </p:cond>
+              </p:prevCondLst>
+              <p:nextCondLst>
+                <p:cond evt="onNext" delay="0">
+                  <p:tgtEl>
+                    <p:sldTgt/>
+                  </p:tgtEl>
+                </p:cond>
+              </p:nextCondLst>
+            </p:seq>
+          </p:childTnLst>
+        </p:cTn>
+      </p:par>
+    </p:tnLst>
+  </p:timing>
+</p:sld>
+</file>
+
+<file path=ppt/slides/slide7.xml><?xml version="1.0" encoding="utf-8"?>
+<p:sld xmlns:a="http://schemas.openxmlformats.org/drawingml/2006/main" xmlns:r="http://schemas.openxmlformats.org/officeDocument/2006/relationships" xmlns:p="http://schemas.openxmlformats.org/presentationml/2006/main">
+  <p:cSld>
+    <p:bg>
+      <p:bgPr>
+        <a:solidFill>
+          <a:srgbClr val="4960A6"/>
+        </a:solidFill>
+        <a:effectLst/>
+      </p:bgPr>
+    </p:bg>
+    <p:spTree>
+      <p:nvGrpSpPr>
+        <p:cNvPr id="1" name=""/>
+        <p:cNvGrpSpPr/>
+        <p:nvPr/>
+      </p:nvGrpSpPr>
+      <p:grpSpPr>
+        <a:xfrm>
+          <a:off x="0" y="0"/>
+          <a:ext cx="0" cy="0"/>
+          <a:chOff x="0" y="0"/>
+          <a:chExt cx="0" cy="0"/>
+        </a:xfrm>
+      </p:grpSpPr>
+      <p:sp>
+        <p:nvSpPr>
+          <p:cNvPr id="22" name="Rectangle 21">
+            <a:extLst>
+              <a:ext uri="{FF2B5EF4-FFF2-40B4-BE49-F238E27FC236}">
+                <a16:creationId xmlns:a16="http://schemas.microsoft.com/office/drawing/2014/main" id="{44B3F5F5-166C-4694-B20A-3F8218AF7D03}"/>
+              </a:ext>
+              <a:ext uri="{C183D7F6-B498-43B3-948B-1728B52AA6E4}">
+                <adec:decorative xmlns:adec="http://schemas.microsoft.com/office/drawing/2017/decorative" val="1"/>
+              </a:ext>
+            </a:extLst>
+          </p:cNvPr>
+          <p:cNvSpPr>
+            <a:spLocks noGrp="1" noRot="1" noChangeAspect="1" noMove="1" noResize="1" noEditPoints="1" noAdjustHandles="1" noChangeArrowheads="1" noChangeShapeType="1" noTextEdit="1"/>
+          </p:cNvSpPr>
+          <p:nvPr>
+            <p:extLst>
+              <p:ext uri="{386F3935-93C4-4BCD-93E2-E3B085C9AB24}">
+                <p16:designElem xmlns:p16="http://schemas.microsoft.com/office/powerpoint/2015/main" val="1"/>
+              </p:ext>
+            </p:extLst>
+          </p:nvPr>
+        </p:nvSpPr>
+        <p:spPr>
+          <a:xfrm>
+            <a:off x="0" y="0"/>
+            <a:ext cx="12192000" cy="6858000"/>
+          </a:xfrm>
+          <a:prstGeom prst="rect">
+            <a:avLst/>
+          </a:prstGeom>
+          <a:solidFill>
+            <a:schemeClr val="bg2"/>
+          </a:solidFill>
+          <a:ln>
+            <a:noFill/>
+          </a:ln>
+        </p:spPr>
+        <p:style>
+          <a:lnRef idx="2">
+            <a:schemeClr val="accent1">
+              <a:shade val="50000"/>
+            </a:schemeClr>
+          </a:lnRef>
+          <a:fillRef idx="1">
+            <a:schemeClr val="accent1"/>
+          </a:fillRef>
+          <a:effectRef idx="0">
+            <a:schemeClr val="accent1"/>
+          </a:effectRef>
+          <a:fontRef idx="minor">
+            <a:schemeClr val="lt1"/>
+          </a:fontRef>
+        </p:style>
+        <p:txBody>
+          <a:bodyPr rtlCol="0" anchor="ctr"/>
+          <a:lstStyle/>
+          <a:p>
+            <a:pPr algn="ctr"/>
+            <a:endParaRPr lang="en-US"/>
+          </a:p>
+        </p:txBody>
+      </p:sp>
+      <p:sp>
+        <p:nvSpPr>
+          <p:cNvPr id="24" name="Rectangle 23">
+            <a:extLst>
+              <a:ext uri="{FF2B5EF4-FFF2-40B4-BE49-F238E27FC236}">
+                <a16:creationId xmlns:a16="http://schemas.microsoft.com/office/drawing/2014/main" id="{9E67A204-FB90-4B26-B155-3FA8064AD2DF}"/>
+              </a:ext>
+              <a:ext uri="{C183D7F6-B498-43B3-948B-1728B52AA6E4}">
+                <adec:decorative xmlns:adec="http://schemas.microsoft.com/office/drawing/2017/decorative" val="1"/>
+              </a:ext>
+            </a:extLst>
+          </p:cNvPr>
+          <p:cNvSpPr>
+            <a:spLocks noGrp="1" noRot="1" noChangeAspect="1" noMove="1" noResize="1" noEditPoints="1" noAdjustHandles="1" noChangeArrowheads="1" noChangeShapeType="1" noTextEdit="1"/>
+          </p:cNvSpPr>
+          <p:nvPr>
+            <p:extLst>
+              <p:ext uri="{386F3935-93C4-4BCD-93E2-E3B085C9AB24}">
+                <p16:designElem xmlns:p16="http://schemas.microsoft.com/office/powerpoint/2015/main" val="1"/>
+              </p:ext>
+            </p:extLst>
+          </p:nvPr>
+        </p:nvSpPr>
+        <p:spPr>
+          <a:xfrm>
+            <a:off x="477012" y="480060"/>
+            <a:ext cx="11237976" cy="5897880"/>
+          </a:xfrm>
+          <a:prstGeom prst="rect">
+            <a:avLst/>
+          </a:prstGeom>
+          <a:solidFill>
+            <a:schemeClr val="bg1"/>
+          </a:solidFill>
+          <a:ln w="22225">
+            <a:solidFill>
+              <a:srgbClr val="C17F63"/>
+            </a:solidFill>
+          </a:ln>
+        </p:spPr>
+        <p:style>
+          <a:lnRef idx="2">
+            <a:schemeClr val="accent1">
+              <a:shade val="50000"/>
+            </a:schemeClr>
+          </a:lnRef>
+          <a:fillRef idx="1">
+            <a:schemeClr val="accent1"/>
+          </a:fillRef>
+          <a:effectRef idx="0">
+            <a:schemeClr val="accent1"/>
+          </a:effectRef>
+          <a:fontRef idx="minor">
+            <a:schemeClr val="lt1"/>
+          </a:fontRef>
+        </p:style>
+        <p:txBody>
+          <a:bodyPr rtlCol="0" anchor="ctr"/>
+          <a:lstStyle/>
+          <a:p>
+            <a:pPr algn="ctr"/>
+            <a:endParaRPr lang="en-US"/>
+          </a:p>
+        </p:txBody>
+      </p:sp>
+      <p:sp>
+        <p:nvSpPr>
+          <p:cNvPr id="2" name="Textfeld 1">
+            <a:extLst>
+              <a:ext uri="{FF2B5EF4-FFF2-40B4-BE49-F238E27FC236}">
+                <a16:creationId xmlns:a16="http://schemas.microsoft.com/office/drawing/2014/main" id="{AC5794B7-D8CC-47FD-AB0D-EF8BB287977E}"/>
+              </a:ext>
+            </a:extLst>
+          </p:cNvPr>
+          <p:cNvSpPr txBox="1"/>
+          <p:nvPr/>
+        </p:nvSpPr>
+        <p:spPr>
+          <a:xfrm>
+            <a:off x="2135436" y="2598003"/>
+            <a:ext cx="7921128" cy="1661993"/>
+          </a:xfrm>
+          <a:prstGeom prst="rect">
+            <a:avLst/>
+          </a:prstGeom>
+          <a:noFill/>
+        </p:spPr>
+        <p:txBody>
+          <a:bodyPr wrap="square" rtlCol="0">
+            <a:spAutoFit/>
+          </a:bodyPr>
+          <a:lstStyle/>
+          <a:p>
+            <a:r>
+              <a:rPr lang="de-DE" sz="3600" dirty="0"/>
+              <a:t>Unser oberstes Ziel:</a:t>
+            </a:r>
+          </a:p>
+          <a:p>
+            <a:r>
+              <a:rPr lang="de-DE" sz="2400" dirty="0"/>
+              <a:t>Reduzierung der agrartechnisch genutzten Flächen, durch Erschließung der Meere als Zusätzliches Anbaugebiet.</a:t>
+            </a:r>
+          </a:p>
+          <a:p>
+            <a:endParaRPr lang="de-DE" dirty="0"/>
+          </a:p>
+        </p:txBody>
+      </p:sp>
+    </p:spTree>
+    <p:extLst>
+      <p:ext uri="{BB962C8B-B14F-4D97-AF65-F5344CB8AC3E}">
+        <p14:creationId xmlns:p14="http://schemas.microsoft.com/office/powerpoint/2010/main" val="3382359599"/>
       </p:ext>
     </p:extLst>
   </p:cSld>
@@ -4250,7 +6373,953 @@
 </p:sld>
 </file>
 
-<file path=ppt/slides/slide6.xml><?xml version="1.0" encoding="utf-8"?>
+<file path=ppt/slides/slide8.xml><?xml version="1.0" encoding="utf-8"?>
+<p:sld xmlns:a="http://schemas.openxmlformats.org/drawingml/2006/main" xmlns:r="http://schemas.openxmlformats.org/officeDocument/2006/relationships" xmlns:p="http://schemas.openxmlformats.org/presentationml/2006/main">
+  <p:cSld>
+    <p:bg>
+      <p:bgPr>
+        <a:solidFill>
+          <a:srgbClr val="4960A6"/>
+        </a:solidFill>
+        <a:effectLst/>
+      </p:bgPr>
+    </p:bg>
+    <p:spTree>
+      <p:nvGrpSpPr>
+        <p:cNvPr id="1" name=""/>
+        <p:cNvGrpSpPr/>
+        <p:nvPr/>
+      </p:nvGrpSpPr>
+      <p:grpSpPr>
+        <a:xfrm>
+          <a:off x="0" y="0"/>
+          <a:ext cx="0" cy="0"/>
+          <a:chOff x="0" y="0"/>
+          <a:chExt cx="0" cy="0"/>
+        </a:xfrm>
+      </p:grpSpPr>
+      <p:sp>
+        <p:nvSpPr>
+          <p:cNvPr id="22" name="Rectangle 21">
+            <a:extLst>
+              <a:ext uri="{FF2B5EF4-FFF2-40B4-BE49-F238E27FC236}">
+                <a16:creationId xmlns:a16="http://schemas.microsoft.com/office/drawing/2014/main" id="{44B3F5F5-166C-4694-B20A-3F8218AF7D03}"/>
+              </a:ext>
+              <a:ext uri="{C183D7F6-B498-43B3-948B-1728B52AA6E4}">
+                <adec:decorative xmlns:adec="http://schemas.microsoft.com/office/drawing/2017/decorative" val="1"/>
+              </a:ext>
+            </a:extLst>
+          </p:cNvPr>
+          <p:cNvSpPr>
+            <a:spLocks noGrp="1" noRot="1" noChangeAspect="1" noMove="1" noResize="1" noEditPoints="1" noAdjustHandles="1" noChangeArrowheads="1" noChangeShapeType="1" noTextEdit="1"/>
+          </p:cNvSpPr>
+          <p:nvPr>
+            <p:extLst>
+              <p:ext uri="{386F3935-93C4-4BCD-93E2-E3B085C9AB24}">
+                <p16:designElem xmlns:p16="http://schemas.microsoft.com/office/powerpoint/2015/main" val="1"/>
+              </p:ext>
+            </p:extLst>
+          </p:nvPr>
+        </p:nvSpPr>
+        <p:spPr>
+          <a:xfrm>
+            <a:off x="0" y="0"/>
+            <a:ext cx="12192000" cy="6858000"/>
+          </a:xfrm>
+          <a:prstGeom prst="rect">
+            <a:avLst/>
+          </a:prstGeom>
+          <a:solidFill>
+            <a:schemeClr val="bg2"/>
+          </a:solidFill>
+          <a:ln>
+            <a:noFill/>
+          </a:ln>
+        </p:spPr>
+        <p:style>
+          <a:lnRef idx="2">
+            <a:schemeClr val="accent1">
+              <a:shade val="50000"/>
+            </a:schemeClr>
+          </a:lnRef>
+          <a:fillRef idx="1">
+            <a:schemeClr val="accent1"/>
+          </a:fillRef>
+          <a:effectRef idx="0">
+            <a:schemeClr val="accent1"/>
+          </a:effectRef>
+          <a:fontRef idx="minor">
+            <a:schemeClr val="lt1"/>
+          </a:fontRef>
+        </p:style>
+        <p:txBody>
+          <a:bodyPr rtlCol="0" anchor="ctr"/>
+          <a:lstStyle/>
+          <a:p>
+            <a:pPr algn="ctr"/>
+            <a:endParaRPr lang="en-US"/>
+          </a:p>
+        </p:txBody>
+      </p:sp>
+      <p:sp>
+        <p:nvSpPr>
+          <p:cNvPr id="24" name="Rectangle 23">
+            <a:extLst>
+              <a:ext uri="{FF2B5EF4-FFF2-40B4-BE49-F238E27FC236}">
+                <a16:creationId xmlns:a16="http://schemas.microsoft.com/office/drawing/2014/main" id="{9E67A204-FB90-4B26-B155-3FA8064AD2DF}"/>
+              </a:ext>
+              <a:ext uri="{C183D7F6-B498-43B3-948B-1728B52AA6E4}">
+                <adec:decorative xmlns:adec="http://schemas.microsoft.com/office/drawing/2017/decorative" val="1"/>
+              </a:ext>
+            </a:extLst>
+          </p:cNvPr>
+          <p:cNvSpPr>
+            <a:spLocks noGrp="1" noRot="1" noChangeAspect="1" noMove="1" noResize="1" noEditPoints="1" noAdjustHandles="1" noChangeArrowheads="1" noChangeShapeType="1" noTextEdit="1"/>
+          </p:cNvSpPr>
+          <p:nvPr>
+            <p:extLst>
+              <p:ext uri="{386F3935-93C4-4BCD-93E2-E3B085C9AB24}">
+                <p16:designElem xmlns:p16="http://schemas.microsoft.com/office/powerpoint/2015/main" val="1"/>
+              </p:ext>
+            </p:extLst>
+          </p:nvPr>
+        </p:nvSpPr>
+        <p:spPr>
+          <a:xfrm>
+            <a:off x="477012" y="480060"/>
+            <a:ext cx="11237976" cy="5897880"/>
+          </a:xfrm>
+          <a:prstGeom prst="rect">
+            <a:avLst/>
+          </a:prstGeom>
+          <a:solidFill>
+            <a:schemeClr val="bg1"/>
+          </a:solidFill>
+          <a:ln w="22225">
+            <a:solidFill>
+              <a:srgbClr val="C17F63"/>
+            </a:solidFill>
+          </a:ln>
+        </p:spPr>
+        <p:style>
+          <a:lnRef idx="2">
+            <a:schemeClr val="accent1">
+              <a:shade val="50000"/>
+            </a:schemeClr>
+          </a:lnRef>
+          <a:fillRef idx="1">
+            <a:schemeClr val="accent1"/>
+          </a:fillRef>
+          <a:effectRef idx="0">
+            <a:schemeClr val="accent1"/>
+          </a:effectRef>
+          <a:fontRef idx="minor">
+            <a:schemeClr val="lt1"/>
+          </a:fontRef>
+        </p:style>
+        <p:txBody>
+          <a:bodyPr rtlCol="0" anchor="ctr"/>
+          <a:lstStyle/>
+          <a:p>
+            <a:pPr algn="ctr"/>
+            <a:endParaRPr lang="en-US"/>
+          </a:p>
+        </p:txBody>
+      </p:sp>
+      <p:sp>
+        <p:nvSpPr>
+          <p:cNvPr id="4" name="Textfeld 3">
+            <a:extLst>
+              <a:ext uri="{FF2B5EF4-FFF2-40B4-BE49-F238E27FC236}">
+                <a16:creationId xmlns:a16="http://schemas.microsoft.com/office/drawing/2014/main" id="{072A430D-28A1-4BB7-841E-BD1F53E374E3}"/>
+              </a:ext>
+            </a:extLst>
+          </p:cNvPr>
+          <p:cNvSpPr txBox="1"/>
+          <p:nvPr/>
+        </p:nvSpPr>
+        <p:spPr>
+          <a:xfrm>
+            <a:off x="4501696" y="787836"/>
+            <a:ext cx="3188607" cy="707886"/>
+          </a:xfrm>
+          <a:prstGeom prst="rect">
+            <a:avLst/>
+          </a:prstGeom>
+          <a:noFill/>
+        </p:spPr>
+        <p:txBody>
+          <a:bodyPr wrap="square" rtlCol="0">
+            <a:spAutoFit/>
+          </a:bodyPr>
+          <a:lstStyle/>
+          <a:p>
+            <a:r>
+              <a:rPr lang="de-DE" sz="4000" dirty="0"/>
+              <a:t>Algenfarmen </a:t>
+            </a:r>
+          </a:p>
+        </p:txBody>
+      </p:sp>
+      <p:sp>
+        <p:nvSpPr>
+          <p:cNvPr id="5" name="Textfeld 4">
+            <a:extLst>
+              <a:ext uri="{FF2B5EF4-FFF2-40B4-BE49-F238E27FC236}">
+                <a16:creationId xmlns:a16="http://schemas.microsoft.com/office/drawing/2014/main" id="{4C82ED93-E354-498B-A3BB-5639C37D017E}"/>
+              </a:ext>
+            </a:extLst>
+          </p:cNvPr>
+          <p:cNvSpPr txBox="1"/>
+          <p:nvPr/>
+        </p:nvSpPr>
+        <p:spPr>
+          <a:xfrm>
+            <a:off x="2910042" y="2136338"/>
+            <a:ext cx="2595408" cy="3416320"/>
+          </a:xfrm>
+          <a:prstGeom prst="rect">
+            <a:avLst/>
+          </a:prstGeom>
+          <a:noFill/>
+        </p:spPr>
+        <p:txBody>
+          <a:bodyPr wrap="square" rtlCol="0">
+            <a:spAutoFit/>
+          </a:bodyPr>
+          <a:lstStyle/>
+          <a:p>
+            <a:r>
+              <a:rPr lang="de-DE" sz="2400" dirty="0"/>
+              <a:t>Algen enthalten: </a:t>
+            </a:r>
+          </a:p>
+          <a:p>
+            <a:pPr marL="285750" indent="-285750">
+              <a:buFontTx/>
+              <a:buChar char="-"/>
+            </a:pPr>
+            <a:r>
+              <a:rPr lang="de-DE" sz="2400" dirty="0"/>
+              <a:t>Proteine</a:t>
+            </a:r>
+          </a:p>
+          <a:p>
+            <a:pPr marL="285750" indent="-285750">
+              <a:buFontTx/>
+              <a:buChar char="-"/>
+            </a:pPr>
+            <a:r>
+              <a:rPr lang="de-DE" sz="2400" dirty="0"/>
+              <a:t>Minerale</a:t>
+            </a:r>
+          </a:p>
+          <a:p>
+            <a:pPr marL="285750" indent="-285750">
+              <a:buFontTx/>
+              <a:buChar char="-"/>
+            </a:pPr>
+            <a:r>
+              <a:rPr lang="de-DE" sz="2400" dirty="0"/>
+              <a:t>Ballaststoffe</a:t>
+            </a:r>
+          </a:p>
+          <a:p>
+            <a:pPr marL="285750" indent="-285750">
+              <a:buFontTx/>
+              <a:buChar char="-"/>
+            </a:pPr>
+            <a:r>
+              <a:rPr lang="de-DE" sz="2400" dirty="0"/>
+              <a:t>Fettsäuren</a:t>
+            </a:r>
+          </a:p>
+          <a:p>
+            <a:pPr marL="285750" indent="-285750">
+              <a:buFontTx/>
+              <a:buChar char="-"/>
+            </a:pPr>
+            <a:r>
+              <a:rPr lang="de-DE" sz="2400" dirty="0"/>
+              <a:t>Jod</a:t>
+            </a:r>
+          </a:p>
+          <a:p>
+            <a:pPr marL="285750" indent="-285750">
+              <a:buFontTx/>
+              <a:buChar char="-"/>
+            </a:pPr>
+            <a:r>
+              <a:rPr lang="de-DE" sz="2400" dirty="0"/>
+              <a:t>Vitamin A</a:t>
+            </a:r>
+          </a:p>
+          <a:p>
+            <a:pPr marL="285750" indent="-285750">
+              <a:buFontTx/>
+              <a:buChar char="-"/>
+            </a:pPr>
+            <a:r>
+              <a:rPr lang="de-DE" sz="2400" dirty="0"/>
+              <a:t>Eisen</a:t>
+            </a:r>
+          </a:p>
+          <a:p>
+            <a:pPr marL="285750" indent="-285750">
+              <a:buFontTx/>
+              <a:buChar char="-"/>
+            </a:pPr>
+            <a:r>
+              <a:rPr lang="de-DE" sz="2400" dirty="0"/>
+              <a:t>etc.</a:t>
+            </a:r>
+          </a:p>
+        </p:txBody>
+      </p:sp>
+      <p:sp>
+        <p:nvSpPr>
+          <p:cNvPr id="7" name="Textfeld 6">
+            <a:extLst>
+              <a:ext uri="{FF2B5EF4-FFF2-40B4-BE49-F238E27FC236}">
+                <a16:creationId xmlns:a16="http://schemas.microsoft.com/office/drawing/2014/main" id="{B0E098A9-A343-4108-A779-78290CB4960E}"/>
+              </a:ext>
+            </a:extLst>
+          </p:cNvPr>
+          <p:cNvSpPr txBox="1"/>
+          <p:nvPr/>
+        </p:nvSpPr>
+        <p:spPr>
+          <a:xfrm>
+            <a:off x="6877050" y="2136338"/>
+            <a:ext cx="3619500" cy="3600986"/>
+          </a:xfrm>
+          <a:prstGeom prst="rect">
+            <a:avLst/>
+          </a:prstGeom>
+          <a:noFill/>
+        </p:spPr>
+        <p:txBody>
+          <a:bodyPr wrap="square" rtlCol="0">
+            <a:spAutoFit/>
+          </a:bodyPr>
+          <a:lstStyle/>
+          <a:p>
+            <a:r>
+              <a:rPr lang="de-DE" sz="2400" dirty="0"/>
+              <a:t>Algen können:</a:t>
+            </a:r>
+          </a:p>
+          <a:p>
+            <a:pPr marL="285750" indent="-285750">
+              <a:buFontTx/>
+              <a:buChar char="-"/>
+            </a:pPr>
+            <a:r>
+              <a:rPr lang="de-DE" sz="2400" dirty="0"/>
+              <a:t>Gut getrocknet werden</a:t>
+            </a:r>
+          </a:p>
+          <a:p>
+            <a:pPr marL="742950" lvl="1" indent="-285750">
+              <a:buFontTx/>
+              <a:buChar char="-"/>
+            </a:pPr>
+            <a:r>
+              <a:rPr lang="de-DE" sz="2400" dirty="0"/>
+              <a:t>Lange haltbar</a:t>
+            </a:r>
+          </a:p>
+          <a:p>
+            <a:pPr marL="742950" lvl="1" indent="-285750">
+              <a:buFontTx/>
+              <a:buChar char="-"/>
+            </a:pPr>
+            <a:r>
+              <a:rPr lang="de-DE" sz="2400" dirty="0"/>
+              <a:t>Leicht zu transportieren</a:t>
+            </a:r>
+          </a:p>
+          <a:p>
+            <a:pPr marL="742950" lvl="1" indent="-285750">
+              <a:buFontTx/>
+              <a:buChar char="-"/>
+            </a:pPr>
+            <a:r>
+              <a:rPr lang="de-DE" sz="2400" dirty="0"/>
+              <a:t>Leicht zu verarbeiten</a:t>
+            </a:r>
+          </a:p>
+          <a:p>
+            <a:pPr marL="285750" indent="-285750">
+              <a:buFontTx/>
+              <a:buChar char="-"/>
+            </a:pPr>
+            <a:r>
+              <a:rPr lang="de-DE" sz="2400" dirty="0"/>
+              <a:t>Verhindern Überdüngung der Meere</a:t>
+            </a:r>
+          </a:p>
+          <a:p>
+            <a:pPr marL="285750" indent="-285750">
+              <a:buFontTx/>
+              <a:buChar char="-"/>
+            </a:pPr>
+            <a:endParaRPr lang="de-DE" dirty="0"/>
+          </a:p>
+          <a:p>
+            <a:pPr marL="742950" lvl="1" indent="-285750">
+              <a:buFontTx/>
+              <a:buChar char="-"/>
+            </a:pPr>
+            <a:endParaRPr lang="de-DE" dirty="0"/>
+          </a:p>
+        </p:txBody>
+      </p:sp>
+    </p:spTree>
+    <p:extLst>
+      <p:ext uri="{BB962C8B-B14F-4D97-AF65-F5344CB8AC3E}">
+        <p14:creationId xmlns:p14="http://schemas.microsoft.com/office/powerpoint/2010/main" val="821768436"/>
+      </p:ext>
+    </p:extLst>
+  </p:cSld>
+  <p:clrMapOvr>
+    <a:masterClrMapping/>
+  </p:clrMapOvr>
+  <p:timing>
+    <p:tnLst>
+      <p:par>
+        <p:cTn id="1" dur="indefinite" restart="never" nodeType="tmRoot">
+          <p:childTnLst>
+            <p:seq concurrent="1" nextAc="seek">
+              <p:cTn id="2" dur="indefinite" nodeType="mainSeq">
+                <p:childTnLst>
+                  <p:par>
+                    <p:cTn id="3" fill="hold">
+                      <p:stCondLst>
+                        <p:cond delay="indefinite"/>
+                      </p:stCondLst>
+                      <p:childTnLst>
+                        <p:par>
+                          <p:cTn id="4" fill="hold">
+                            <p:stCondLst>
+                              <p:cond delay="0"/>
+                            </p:stCondLst>
+                            <p:childTnLst>
+                              <p:par>
+                                <p:cTn id="5" presetID="1" presetClass="entr" presetSubtype="0" fill="hold" nodeType="clickEffect">
+                                  <p:stCondLst>
+                                    <p:cond delay="0"/>
+                                  </p:stCondLst>
+                                  <p:childTnLst>
+                                    <p:set>
+                                      <p:cBhvr>
+                                        <p:cTn id="6" dur="1" fill="hold">
+                                          <p:stCondLst>
+                                            <p:cond delay="0"/>
+                                          </p:stCondLst>
+                                        </p:cTn>
+                                        <p:tgtEl>
+                                          <p:spTgt spid="5">
+                                            <p:txEl>
+                                              <p:pRg st="0" end="0"/>
+                                            </p:txEl>
+                                          </p:spTgt>
+                                        </p:tgtEl>
+                                        <p:attrNameLst>
+                                          <p:attrName>style.visibility</p:attrName>
+                                        </p:attrNameLst>
+                                      </p:cBhvr>
+                                      <p:to>
+                                        <p:strVal val="visible"/>
+                                      </p:to>
+                                    </p:set>
+                                  </p:childTnLst>
+                                </p:cTn>
+                              </p:par>
+                              <p:par>
+                                <p:cTn id="7" presetID="1" presetClass="entr" presetSubtype="0" fill="hold" nodeType="withEffect">
+                                  <p:stCondLst>
+                                    <p:cond delay="250"/>
+                                  </p:stCondLst>
+                                  <p:childTnLst>
+                                    <p:set>
+                                      <p:cBhvr>
+                                        <p:cTn id="8" dur="1" fill="hold">
+                                          <p:stCondLst>
+                                            <p:cond delay="0"/>
+                                          </p:stCondLst>
+                                        </p:cTn>
+                                        <p:tgtEl>
+                                          <p:spTgt spid="5">
+                                            <p:txEl>
+                                              <p:pRg st="1" end="1"/>
+                                            </p:txEl>
+                                          </p:spTgt>
+                                        </p:tgtEl>
+                                        <p:attrNameLst>
+                                          <p:attrName>style.visibility</p:attrName>
+                                        </p:attrNameLst>
+                                      </p:cBhvr>
+                                      <p:to>
+                                        <p:strVal val="visible"/>
+                                      </p:to>
+                                    </p:set>
+                                  </p:childTnLst>
+                                </p:cTn>
+                              </p:par>
+                              <p:par>
+                                <p:cTn id="9" presetID="1" presetClass="entr" presetSubtype="0" fill="hold" nodeType="withEffect">
+                                  <p:stCondLst>
+                                    <p:cond delay="500"/>
+                                  </p:stCondLst>
+                                  <p:childTnLst>
+                                    <p:set>
+                                      <p:cBhvr>
+                                        <p:cTn id="10" dur="1" fill="hold">
+                                          <p:stCondLst>
+                                            <p:cond delay="0"/>
+                                          </p:stCondLst>
+                                        </p:cTn>
+                                        <p:tgtEl>
+                                          <p:spTgt spid="5">
+                                            <p:txEl>
+                                              <p:pRg st="2" end="2"/>
+                                            </p:txEl>
+                                          </p:spTgt>
+                                        </p:tgtEl>
+                                        <p:attrNameLst>
+                                          <p:attrName>style.visibility</p:attrName>
+                                        </p:attrNameLst>
+                                      </p:cBhvr>
+                                      <p:to>
+                                        <p:strVal val="visible"/>
+                                      </p:to>
+                                    </p:set>
+                                  </p:childTnLst>
+                                </p:cTn>
+                              </p:par>
+                              <p:par>
+                                <p:cTn id="11" presetID="1" presetClass="entr" presetSubtype="0" fill="hold" nodeType="withEffect">
+                                  <p:stCondLst>
+                                    <p:cond delay="750"/>
+                                  </p:stCondLst>
+                                  <p:childTnLst>
+                                    <p:set>
+                                      <p:cBhvr>
+                                        <p:cTn id="12" dur="1" fill="hold">
+                                          <p:stCondLst>
+                                            <p:cond delay="0"/>
+                                          </p:stCondLst>
+                                        </p:cTn>
+                                        <p:tgtEl>
+                                          <p:spTgt spid="5">
+                                            <p:txEl>
+                                              <p:pRg st="3" end="3"/>
+                                            </p:txEl>
+                                          </p:spTgt>
+                                        </p:tgtEl>
+                                        <p:attrNameLst>
+                                          <p:attrName>style.visibility</p:attrName>
+                                        </p:attrNameLst>
+                                      </p:cBhvr>
+                                      <p:to>
+                                        <p:strVal val="visible"/>
+                                      </p:to>
+                                    </p:set>
+                                  </p:childTnLst>
+                                </p:cTn>
+                              </p:par>
+                              <p:par>
+                                <p:cTn id="13" presetID="1" presetClass="entr" presetSubtype="0" fill="hold" nodeType="withEffect">
+                                  <p:stCondLst>
+                                    <p:cond delay="1000"/>
+                                  </p:stCondLst>
+                                  <p:childTnLst>
+                                    <p:set>
+                                      <p:cBhvr>
+                                        <p:cTn id="14" dur="1" fill="hold">
+                                          <p:stCondLst>
+                                            <p:cond delay="0"/>
+                                          </p:stCondLst>
+                                        </p:cTn>
+                                        <p:tgtEl>
+                                          <p:spTgt spid="5">
+                                            <p:txEl>
+                                              <p:pRg st="4" end="4"/>
+                                            </p:txEl>
+                                          </p:spTgt>
+                                        </p:tgtEl>
+                                        <p:attrNameLst>
+                                          <p:attrName>style.visibility</p:attrName>
+                                        </p:attrNameLst>
+                                      </p:cBhvr>
+                                      <p:to>
+                                        <p:strVal val="visible"/>
+                                      </p:to>
+                                    </p:set>
+                                  </p:childTnLst>
+                                </p:cTn>
+                              </p:par>
+                              <p:par>
+                                <p:cTn id="15" presetID="1" presetClass="entr" presetSubtype="0" fill="hold" nodeType="withEffect">
+                                  <p:stCondLst>
+                                    <p:cond delay="1250"/>
+                                  </p:stCondLst>
+                                  <p:childTnLst>
+                                    <p:set>
+                                      <p:cBhvr>
+                                        <p:cTn id="16" dur="1" fill="hold">
+                                          <p:stCondLst>
+                                            <p:cond delay="0"/>
+                                          </p:stCondLst>
+                                        </p:cTn>
+                                        <p:tgtEl>
+                                          <p:spTgt spid="5">
+                                            <p:txEl>
+                                              <p:pRg st="5" end="5"/>
+                                            </p:txEl>
+                                          </p:spTgt>
+                                        </p:tgtEl>
+                                        <p:attrNameLst>
+                                          <p:attrName>style.visibility</p:attrName>
+                                        </p:attrNameLst>
+                                      </p:cBhvr>
+                                      <p:to>
+                                        <p:strVal val="visible"/>
+                                      </p:to>
+                                    </p:set>
+                                  </p:childTnLst>
+                                </p:cTn>
+                              </p:par>
+                              <p:par>
+                                <p:cTn id="17" presetID="1" presetClass="entr" presetSubtype="0" fill="hold" nodeType="withEffect">
+                                  <p:stCondLst>
+                                    <p:cond delay="1500"/>
+                                  </p:stCondLst>
+                                  <p:childTnLst>
+                                    <p:set>
+                                      <p:cBhvr>
+                                        <p:cTn id="18" dur="1" fill="hold">
+                                          <p:stCondLst>
+                                            <p:cond delay="0"/>
+                                          </p:stCondLst>
+                                        </p:cTn>
+                                        <p:tgtEl>
+                                          <p:spTgt spid="5">
+                                            <p:txEl>
+                                              <p:pRg st="6" end="6"/>
+                                            </p:txEl>
+                                          </p:spTgt>
+                                        </p:tgtEl>
+                                        <p:attrNameLst>
+                                          <p:attrName>style.visibility</p:attrName>
+                                        </p:attrNameLst>
+                                      </p:cBhvr>
+                                      <p:to>
+                                        <p:strVal val="visible"/>
+                                      </p:to>
+                                    </p:set>
+                                  </p:childTnLst>
+                                </p:cTn>
+                              </p:par>
+                              <p:par>
+                                <p:cTn id="19" presetID="1" presetClass="entr" presetSubtype="0" fill="hold" nodeType="withEffect">
+                                  <p:stCondLst>
+                                    <p:cond delay="1750"/>
+                                  </p:stCondLst>
+                                  <p:childTnLst>
+                                    <p:set>
+                                      <p:cBhvr>
+                                        <p:cTn id="20" dur="1" fill="hold">
+                                          <p:stCondLst>
+                                            <p:cond delay="0"/>
+                                          </p:stCondLst>
+                                        </p:cTn>
+                                        <p:tgtEl>
+                                          <p:spTgt spid="5">
+                                            <p:txEl>
+                                              <p:pRg st="7" end="7"/>
+                                            </p:txEl>
+                                          </p:spTgt>
+                                        </p:tgtEl>
+                                        <p:attrNameLst>
+                                          <p:attrName>style.visibility</p:attrName>
+                                        </p:attrNameLst>
+                                      </p:cBhvr>
+                                      <p:to>
+                                        <p:strVal val="visible"/>
+                                      </p:to>
+                                    </p:set>
+                                  </p:childTnLst>
+                                </p:cTn>
+                              </p:par>
+                              <p:par>
+                                <p:cTn id="21" presetID="1" presetClass="entr" presetSubtype="0" fill="hold" nodeType="withEffect">
+                                  <p:stCondLst>
+                                    <p:cond delay="2000"/>
+                                  </p:stCondLst>
+                                  <p:childTnLst>
+                                    <p:set>
+                                      <p:cBhvr>
+                                        <p:cTn id="22" dur="1" fill="hold">
+                                          <p:stCondLst>
+                                            <p:cond delay="0"/>
+                                          </p:stCondLst>
+                                        </p:cTn>
+                                        <p:tgtEl>
+                                          <p:spTgt spid="5">
+                                            <p:txEl>
+                                              <p:pRg st="8" end="8"/>
+                                            </p:txEl>
+                                          </p:spTgt>
+                                        </p:tgtEl>
+                                        <p:attrNameLst>
+                                          <p:attrName>style.visibility</p:attrName>
+                                        </p:attrNameLst>
+                                      </p:cBhvr>
+                                      <p:to>
+                                        <p:strVal val="visible"/>
+                                      </p:to>
+                                    </p:set>
+                                  </p:childTnLst>
+                                </p:cTn>
+                              </p:par>
+                            </p:childTnLst>
+                          </p:cTn>
+                        </p:par>
+                      </p:childTnLst>
+                    </p:cTn>
+                  </p:par>
+                  <p:par>
+                    <p:cTn id="23" fill="hold">
+                      <p:stCondLst>
+                        <p:cond delay="indefinite"/>
+                      </p:stCondLst>
+                      <p:childTnLst>
+                        <p:par>
+                          <p:cTn id="24" fill="hold">
+                            <p:stCondLst>
+                              <p:cond delay="0"/>
+                            </p:stCondLst>
+                            <p:childTnLst>
+                              <p:par>
+                                <p:cTn id="25" presetID="1" presetClass="entr" presetSubtype="0" fill="hold" nodeType="clickEffect">
+                                  <p:stCondLst>
+                                    <p:cond delay="0"/>
+                                  </p:stCondLst>
+                                  <p:childTnLst>
+                                    <p:set>
+                                      <p:cBhvr>
+                                        <p:cTn id="26" dur="1" fill="hold">
+                                          <p:stCondLst>
+                                            <p:cond delay="0"/>
+                                          </p:stCondLst>
+                                        </p:cTn>
+                                        <p:tgtEl>
+                                          <p:spTgt spid="7">
+                                            <p:txEl>
+                                              <p:pRg st="0" end="0"/>
+                                            </p:txEl>
+                                          </p:spTgt>
+                                        </p:tgtEl>
+                                        <p:attrNameLst>
+                                          <p:attrName>style.visibility</p:attrName>
+                                        </p:attrNameLst>
+                                      </p:cBhvr>
+                                      <p:to>
+                                        <p:strVal val="visible"/>
+                                      </p:to>
+                                    </p:set>
+                                  </p:childTnLst>
+                                </p:cTn>
+                              </p:par>
+                              <p:par>
+                                <p:cTn id="27" presetID="1" presetClass="entr" presetSubtype="0" fill="hold" nodeType="withEffect">
+                                  <p:stCondLst>
+                                    <p:cond delay="250"/>
+                                  </p:stCondLst>
+                                  <p:childTnLst>
+                                    <p:set>
+                                      <p:cBhvr>
+                                        <p:cTn id="28" dur="1" fill="hold">
+                                          <p:stCondLst>
+                                            <p:cond delay="0"/>
+                                          </p:stCondLst>
+                                        </p:cTn>
+                                        <p:tgtEl>
+                                          <p:spTgt spid="7">
+                                            <p:txEl>
+                                              <p:pRg st="1" end="1"/>
+                                            </p:txEl>
+                                          </p:spTgt>
+                                        </p:tgtEl>
+                                        <p:attrNameLst>
+                                          <p:attrName>style.visibility</p:attrName>
+                                        </p:attrNameLst>
+                                      </p:cBhvr>
+                                      <p:to>
+                                        <p:strVal val="visible"/>
+                                      </p:to>
+                                    </p:set>
+                                  </p:childTnLst>
+                                </p:cTn>
+                              </p:par>
+                              <p:par>
+                                <p:cTn id="29" presetID="1" presetClass="entr" presetSubtype="0" fill="hold" nodeType="withEffect">
+                                  <p:stCondLst>
+                                    <p:cond delay="500"/>
+                                  </p:stCondLst>
+                                  <p:childTnLst>
+                                    <p:set>
+                                      <p:cBhvr>
+                                        <p:cTn id="30" dur="1" fill="hold">
+                                          <p:stCondLst>
+                                            <p:cond delay="0"/>
+                                          </p:stCondLst>
+                                        </p:cTn>
+                                        <p:tgtEl>
+                                          <p:spTgt spid="7">
+                                            <p:txEl>
+                                              <p:pRg st="2" end="2"/>
+                                            </p:txEl>
+                                          </p:spTgt>
+                                        </p:tgtEl>
+                                        <p:attrNameLst>
+                                          <p:attrName>style.visibility</p:attrName>
+                                        </p:attrNameLst>
+                                      </p:cBhvr>
+                                      <p:to>
+                                        <p:strVal val="visible"/>
+                                      </p:to>
+                                    </p:set>
+                                  </p:childTnLst>
+                                </p:cTn>
+                              </p:par>
+                              <p:par>
+                                <p:cTn id="31" presetID="1" presetClass="entr" presetSubtype="0" fill="hold" nodeType="withEffect">
+                                  <p:stCondLst>
+                                    <p:cond delay="750"/>
+                                  </p:stCondLst>
+                                  <p:childTnLst>
+                                    <p:set>
+                                      <p:cBhvr>
+                                        <p:cTn id="32" dur="1" fill="hold">
+                                          <p:stCondLst>
+                                            <p:cond delay="0"/>
+                                          </p:stCondLst>
+                                        </p:cTn>
+                                        <p:tgtEl>
+                                          <p:spTgt spid="7">
+                                            <p:txEl>
+                                              <p:pRg st="3" end="3"/>
+                                            </p:txEl>
+                                          </p:spTgt>
+                                        </p:tgtEl>
+                                        <p:attrNameLst>
+                                          <p:attrName>style.visibility</p:attrName>
+                                        </p:attrNameLst>
+                                      </p:cBhvr>
+                                      <p:to>
+                                        <p:strVal val="visible"/>
+                                      </p:to>
+                                    </p:set>
+                                  </p:childTnLst>
+                                </p:cTn>
+                              </p:par>
+                              <p:par>
+                                <p:cTn id="33" presetID="1" presetClass="entr" presetSubtype="0" fill="hold" nodeType="withEffect">
+                                  <p:stCondLst>
+                                    <p:cond delay="1000"/>
+                                  </p:stCondLst>
+                                  <p:childTnLst>
+                                    <p:set>
+                                      <p:cBhvr>
+                                        <p:cTn id="34" dur="1" fill="hold">
+                                          <p:stCondLst>
+                                            <p:cond delay="0"/>
+                                          </p:stCondLst>
+                                        </p:cTn>
+                                        <p:tgtEl>
+                                          <p:spTgt spid="7">
+                                            <p:txEl>
+                                              <p:pRg st="4" end="4"/>
+                                            </p:txEl>
+                                          </p:spTgt>
+                                        </p:tgtEl>
+                                        <p:attrNameLst>
+                                          <p:attrName>style.visibility</p:attrName>
+                                        </p:attrNameLst>
+                                      </p:cBhvr>
+                                      <p:to>
+                                        <p:strVal val="visible"/>
+                                      </p:to>
+                                    </p:set>
+                                  </p:childTnLst>
+                                </p:cTn>
+                              </p:par>
+                              <p:par>
+                                <p:cTn id="35" presetID="1" presetClass="entr" presetSubtype="0" fill="hold" nodeType="withEffect">
+                                  <p:stCondLst>
+                                    <p:cond delay="1250"/>
+                                  </p:stCondLst>
+                                  <p:childTnLst>
+                                    <p:set>
+                                      <p:cBhvr>
+                                        <p:cTn id="36" dur="1" fill="hold">
+                                          <p:stCondLst>
+                                            <p:cond delay="0"/>
+                                          </p:stCondLst>
+                                        </p:cTn>
+                                        <p:tgtEl>
+                                          <p:spTgt spid="7">
+                                            <p:txEl>
+                                              <p:pRg st="5" end="5"/>
+                                            </p:txEl>
+                                          </p:spTgt>
+                                        </p:tgtEl>
+                                        <p:attrNameLst>
+                                          <p:attrName>style.visibility</p:attrName>
+                                        </p:attrNameLst>
+                                      </p:cBhvr>
+                                      <p:to>
+                                        <p:strVal val="visible"/>
+                                      </p:to>
+                                    </p:set>
+                                  </p:childTnLst>
+                                </p:cTn>
+                              </p:par>
+                            </p:childTnLst>
+                          </p:cTn>
+                        </p:par>
+                      </p:childTnLst>
+                    </p:cTn>
+                  </p:par>
+                </p:childTnLst>
+              </p:cTn>
+              <p:prevCondLst>
+                <p:cond evt="onPrev" delay="0">
+                  <p:tgtEl>
+                    <p:sldTgt/>
+                  </p:tgtEl>
+                </p:cond>
+              </p:prevCondLst>
+              <p:nextCondLst>
+                <p:cond evt="onNext" delay="0">
+                  <p:tgtEl>
+                    <p:sldTgt/>
+                  </p:tgtEl>
+                </p:cond>
+              </p:nextCondLst>
+            </p:seq>
+          </p:childTnLst>
+        </p:cTn>
+      </p:par>
+    </p:tnLst>
+  </p:timing>
+</p:sld>
+</file>
+
+<file path=ppt/slides/slide9.xml><?xml version="1.0" encoding="utf-8"?>
 <p:sld xmlns:a="http://schemas.openxmlformats.org/drawingml/2006/main" xmlns:r="http://schemas.openxmlformats.org/officeDocument/2006/relationships" xmlns:p="http://schemas.openxmlformats.org/presentationml/2006/main">
   <p:cSld>
     <p:bg>
@@ -4542,36 +7611,6 @@
     <p:extLst>
       <p:ext uri="{BB962C8B-B14F-4D97-AF65-F5344CB8AC3E}">
         <p14:creationId xmlns:p14="http://schemas.microsoft.com/office/powerpoint/2010/main" val="3404392292"/>
-      </p:ext>
-    </p:extLst>
-  </p:cSld>
-  <p:clrMapOvr>
-    <a:masterClrMapping/>
-  </p:clrMapOvr>
-</p:sld>
-</file>
-
-<file path=ppt/slides/slide7.xml><?xml version="1.0" encoding="utf-8"?>
-<p:sld xmlns:a="http://schemas.openxmlformats.org/drawingml/2006/main" xmlns:r="http://schemas.openxmlformats.org/officeDocument/2006/relationships" xmlns:p="http://schemas.openxmlformats.org/presentationml/2006/main">
-  <p:cSld>
-    <p:spTree>
-      <p:nvGrpSpPr>
-        <p:cNvPr id="1" name=""/>
-        <p:cNvGrpSpPr/>
-        <p:nvPr/>
-      </p:nvGrpSpPr>
-      <p:grpSpPr>
-        <a:xfrm>
-          <a:off x="0" y="0"/>
-          <a:ext cx="0" cy="0"/>
-          <a:chOff x="0" y="0"/>
-          <a:chExt cx="0" cy="0"/>
-        </a:xfrm>
-      </p:grpSpPr>
-    </p:spTree>
-    <p:extLst>
-      <p:ext uri="{BB962C8B-B14F-4D97-AF65-F5344CB8AC3E}">
-        <p14:creationId xmlns:p14="http://schemas.microsoft.com/office/powerpoint/2010/main" val="2990044260"/>
       </p:ext>
     </p:extLst>
   </p:cSld>
@@ -4847,4 +7886,299 @@
     </a:ext>
   </a:extLst>
 </a:theme>
+</file>
+
+<file path=ppt/theme/theme2.xml><?xml version="1.0" encoding="utf-8"?>
+<a:theme xmlns:a="http://schemas.openxmlformats.org/drawingml/2006/main" name="Office">
+  <a:themeElements>
+    <a:clrScheme name="Office">
+      <a:dk1>
+        <a:sysClr val="windowText" lastClr="000000"/>
+      </a:dk1>
+      <a:lt1>
+        <a:sysClr val="window" lastClr="FFFFFF"/>
+      </a:lt1>
+      <a:dk2>
+        <a:srgbClr val="44546A"/>
+      </a:dk2>
+      <a:lt2>
+        <a:srgbClr val="E7E6E6"/>
+      </a:lt2>
+      <a:accent1>
+        <a:srgbClr val="4472C4"/>
+      </a:accent1>
+      <a:accent2>
+        <a:srgbClr val="ED7D31"/>
+      </a:accent2>
+      <a:accent3>
+        <a:srgbClr val="A5A5A5"/>
+      </a:accent3>
+      <a:accent4>
+        <a:srgbClr val="FFC000"/>
+      </a:accent4>
+      <a:accent5>
+        <a:srgbClr val="5B9BD5"/>
+      </a:accent5>
+      <a:accent6>
+        <a:srgbClr val="70AD47"/>
+      </a:accent6>
+      <a:hlink>
+        <a:srgbClr val="0563C1"/>
+      </a:hlink>
+      <a:folHlink>
+        <a:srgbClr val="954F72"/>
+      </a:folHlink>
+    </a:clrScheme>
+    <a:fontScheme name="Office">
+      <a:majorFont>
+        <a:latin typeface="Calibri Light" panose="020F0302020204030204"/>
+        <a:ea typeface=""/>
+        <a:cs typeface=""/>
+        <a:font script="Jpan" typeface="游ゴシック Light"/>
+        <a:font script="Hang" typeface="맑은 고딕"/>
+        <a:font script="Hans" typeface="等线 Light"/>
+        <a:font script="Hant" typeface="新細明體"/>
+        <a:font script="Arab" typeface="Times New Roman"/>
+        <a:font script="Hebr" typeface="Times New Roman"/>
+        <a:font script="Thai" typeface="Angsana New"/>
+        <a:font script="Ethi" typeface="Nyala"/>
+        <a:font script="Beng" typeface="Vrinda"/>
+        <a:font script="Gujr" typeface="Shruti"/>
+        <a:font script="Khmr" typeface="MoolBoran"/>
+        <a:font script="Knda" typeface="Tunga"/>
+        <a:font script="Guru" typeface="Raavi"/>
+        <a:font script="Cans" typeface="Euphemia"/>
+        <a:font script="Cher" typeface="Plantagenet Cherokee"/>
+        <a:font script="Yiii" typeface="Microsoft Yi Baiti"/>
+        <a:font script="Tibt" typeface="Microsoft Himalaya"/>
+        <a:font script="Thaa" typeface="MV Boli"/>
+        <a:font script="Deva" typeface="Mangal"/>
+        <a:font script="Telu" typeface="Gautami"/>
+        <a:font script="Taml" typeface="Latha"/>
+        <a:font script="Syrc" typeface="Estrangelo Edessa"/>
+        <a:font script="Orya" typeface="Kalinga"/>
+        <a:font script="Mlym" typeface="Kartika"/>
+        <a:font script="Laoo" typeface="DokChampa"/>
+        <a:font script="Sinh" typeface="Iskoola Pota"/>
+        <a:font script="Mong" typeface="Mongolian Baiti"/>
+        <a:font script="Viet" typeface="Times New Roman"/>
+        <a:font script="Uigh" typeface="Microsoft Uighur"/>
+        <a:font script="Geor" typeface="Sylfaen"/>
+        <a:font script="Armn" typeface="Arial"/>
+        <a:font script="Bugi" typeface="Leelawadee UI"/>
+        <a:font script="Bopo" typeface="Microsoft JhengHei"/>
+        <a:font script="Java" typeface="Javanese Text"/>
+        <a:font script="Lisu" typeface="Segoe UI"/>
+        <a:font script="Mymr" typeface="Myanmar Text"/>
+        <a:font script="Nkoo" typeface="Ebrima"/>
+        <a:font script="Olck" typeface="Nirmala UI"/>
+        <a:font script="Osma" typeface="Ebrima"/>
+        <a:font script="Phag" typeface="Phagspa"/>
+        <a:font script="Syrn" typeface="Estrangelo Edessa"/>
+        <a:font script="Syrj" typeface="Estrangelo Edessa"/>
+        <a:font script="Syre" typeface="Estrangelo Edessa"/>
+        <a:font script="Sora" typeface="Nirmala UI"/>
+        <a:font script="Tale" typeface="Microsoft Tai Le"/>
+        <a:font script="Talu" typeface="Microsoft New Tai Lue"/>
+        <a:font script="Tfng" typeface="Ebrima"/>
+      </a:majorFont>
+      <a:minorFont>
+        <a:latin typeface="Calibri" panose="020F0502020204030204"/>
+        <a:ea typeface=""/>
+        <a:cs typeface=""/>
+        <a:font script="Jpan" typeface="游ゴシック"/>
+        <a:font script="Hang" typeface="맑은 고딕"/>
+        <a:font script="Hans" typeface="等线"/>
+        <a:font script="Hant" typeface="新細明體"/>
+        <a:font script="Arab" typeface="Arial"/>
+        <a:font script="Hebr" typeface="Arial"/>
+        <a:font script="Thai" typeface="Cordia New"/>
+        <a:font script="Ethi" typeface="Nyala"/>
+        <a:font script="Beng" typeface="Vrinda"/>
+        <a:font script="Gujr" typeface="Shruti"/>
+        <a:font script="Khmr" typeface="DaunPenh"/>
+        <a:font script="Knda" typeface="Tunga"/>
+        <a:font script="Guru" typeface="Raavi"/>
+        <a:font script="Cans" typeface="Euphemia"/>
+        <a:font script="Cher" typeface="Plantagenet Cherokee"/>
+        <a:font script="Yiii" typeface="Microsoft Yi Baiti"/>
+        <a:font script="Tibt" typeface="Microsoft Himalaya"/>
+        <a:font script="Thaa" typeface="MV Boli"/>
+        <a:font script="Deva" typeface="Mangal"/>
+        <a:font script="Telu" typeface="Gautami"/>
+        <a:font script="Taml" typeface="Latha"/>
+        <a:font script="Syrc" typeface="Estrangelo Edessa"/>
+        <a:font script="Orya" typeface="Kalinga"/>
+        <a:font script="Mlym" typeface="Kartika"/>
+        <a:font script="Laoo" typeface="DokChampa"/>
+        <a:font script="Sinh" typeface="Iskoola Pota"/>
+        <a:font script="Mong" typeface="Mongolian Baiti"/>
+        <a:font script="Viet" typeface="Arial"/>
+        <a:font script="Uigh" typeface="Microsoft Uighur"/>
+        <a:font script="Geor" typeface="Sylfaen"/>
+        <a:font script="Armn" typeface="Arial"/>
+        <a:font script="Bugi" typeface="Leelawadee UI"/>
+        <a:font script="Bopo" typeface="Microsoft JhengHei"/>
+        <a:font script="Java" typeface="Javanese Text"/>
+        <a:font script="Lisu" typeface="Segoe UI"/>
+        <a:font script="Mymr" typeface="Myanmar Text"/>
+        <a:font script="Nkoo" typeface="Ebrima"/>
+        <a:font script="Olck" typeface="Nirmala UI"/>
+        <a:font script="Osma" typeface="Ebrima"/>
+        <a:font script="Phag" typeface="Phagspa"/>
+        <a:font script="Syrn" typeface="Estrangelo Edessa"/>
+        <a:font script="Syrj" typeface="Estrangelo Edessa"/>
+        <a:font script="Syre" typeface="Estrangelo Edessa"/>
+        <a:font script="Sora" typeface="Nirmala UI"/>
+        <a:font script="Tale" typeface="Microsoft Tai Le"/>
+        <a:font script="Talu" typeface="Microsoft New Tai Lue"/>
+        <a:font script="Tfng" typeface="Ebrima"/>
+      </a:minorFont>
+    </a:fontScheme>
+    <a:fmtScheme name="Office">
+      <a:fillStyleLst>
+        <a:solidFill>
+          <a:schemeClr val="phClr"/>
+        </a:solidFill>
+        <a:gradFill rotWithShape="1">
+          <a:gsLst>
+            <a:gs pos="0">
+              <a:schemeClr val="phClr">
+                <a:lumMod val="110000"/>
+                <a:satMod val="105000"/>
+                <a:tint val="67000"/>
+              </a:schemeClr>
+            </a:gs>
+            <a:gs pos="50000">
+              <a:schemeClr val="phClr">
+                <a:lumMod val="105000"/>
+                <a:satMod val="103000"/>
+                <a:tint val="73000"/>
+              </a:schemeClr>
+            </a:gs>
+            <a:gs pos="100000">
+              <a:schemeClr val="phClr">
+                <a:lumMod val="105000"/>
+                <a:satMod val="109000"/>
+                <a:tint val="81000"/>
+              </a:schemeClr>
+            </a:gs>
+          </a:gsLst>
+          <a:lin ang="5400000" scaled="0"/>
+        </a:gradFill>
+        <a:gradFill rotWithShape="1">
+          <a:gsLst>
+            <a:gs pos="0">
+              <a:schemeClr val="phClr">
+                <a:satMod val="103000"/>
+                <a:lumMod val="102000"/>
+                <a:tint val="94000"/>
+              </a:schemeClr>
+            </a:gs>
+            <a:gs pos="50000">
+              <a:schemeClr val="phClr">
+                <a:satMod val="110000"/>
+                <a:lumMod val="100000"/>
+                <a:shade val="100000"/>
+              </a:schemeClr>
+            </a:gs>
+            <a:gs pos="100000">
+              <a:schemeClr val="phClr">
+                <a:lumMod val="99000"/>
+                <a:satMod val="120000"/>
+                <a:shade val="78000"/>
+              </a:schemeClr>
+            </a:gs>
+          </a:gsLst>
+          <a:lin ang="5400000" scaled="0"/>
+        </a:gradFill>
+      </a:fillStyleLst>
+      <a:lnStyleLst>
+        <a:ln w="6350" cap="flat" cmpd="sng" algn="ctr">
+          <a:solidFill>
+            <a:schemeClr val="phClr"/>
+          </a:solidFill>
+          <a:prstDash val="solid"/>
+          <a:miter lim="800000"/>
+        </a:ln>
+        <a:ln w="12700" cap="flat" cmpd="sng" algn="ctr">
+          <a:solidFill>
+            <a:schemeClr val="phClr"/>
+          </a:solidFill>
+          <a:prstDash val="solid"/>
+          <a:miter lim="800000"/>
+        </a:ln>
+        <a:ln w="19050" cap="flat" cmpd="sng" algn="ctr">
+          <a:solidFill>
+            <a:schemeClr val="phClr"/>
+          </a:solidFill>
+          <a:prstDash val="solid"/>
+          <a:miter lim="800000"/>
+        </a:ln>
+      </a:lnStyleLst>
+      <a:effectStyleLst>
+        <a:effectStyle>
+          <a:effectLst/>
+        </a:effectStyle>
+        <a:effectStyle>
+          <a:effectLst/>
+        </a:effectStyle>
+        <a:effectStyle>
+          <a:effectLst>
+            <a:outerShdw blurRad="57150" dist="19050" dir="5400000" algn="ctr" rotWithShape="0">
+              <a:srgbClr val="000000">
+                <a:alpha val="63000"/>
+              </a:srgbClr>
+            </a:outerShdw>
+          </a:effectLst>
+        </a:effectStyle>
+      </a:effectStyleLst>
+      <a:bgFillStyleLst>
+        <a:solidFill>
+          <a:schemeClr val="phClr"/>
+        </a:solidFill>
+        <a:solidFill>
+          <a:schemeClr val="phClr">
+            <a:tint val="95000"/>
+            <a:satMod val="170000"/>
+          </a:schemeClr>
+        </a:solidFill>
+        <a:gradFill rotWithShape="1">
+          <a:gsLst>
+            <a:gs pos="0">
+              <a:schemeClr val="phClr">
+                <a:tint val="93000"/>
+                <a:satMod val="150000"/>
+                <a:shade val="98000"/>
+                <a:lumMod val="102000"/>
+              </a:schemeClr>
+            </a:gs>
+            <a:gs pos="50000">
+              <a:schemeClr val="phClr">
+                <a:tint val="98000"/>
+                <a:satMod val="130000"/>
+                <a:shade val="90000"/>
+                <a:lumMod val="103000"/>
+              </a:schemeClr>
+            </a:gs>
+            <a:gs pos="100000">
+              <a:schemeClr val="phClr">
+                <a:shade val="63000"/>
+                <a:satMod val="120000"/>
+              </a:schemeClr>
+            </a:gs>
+          </a:gsLst>
+          <a:lin ang="5400000" scaled="0"/>
+        </a:gradFill>
+      </a:bgFillStyleLst>
+    </a:fmtScheme>
+  </a:themeElements>
+  <a:objectDefaults/>
+  <a:extraClrSchemeLst/>
+  <a:extLst>
+    <a:ext uri="{05A4C25C-085E-4340-85A3-A5531E510DB2}">
+      <thm15:themeFamily xmlns:thm15="http://schemas.microsoft.com/office/thememl/2012/main" name="Office Theme" id="{62F939B6-93AF-4DB8-9C6B-D6C7DFDC589F}" vid="{4A3C46E8-61CC-4603-A589-7422A47A8E4A}"/>
+    </a:ext>
+  </a:extLst>
+</a:theme>
 </file>